--- a/slides/block5.pptx
+++ b/slides/block5.pptx
@@ -5,15 +5,14 @@
     <p:sldMasterId id="2147483648" r:id="rId1"/>
   </p:sldMasterIdLst>
   <p:notesMasterIdLst>
-    <p:notesMasterId r:id="rId8"/>
+    <p:notesMasterId r:id="rId7"/>
   </p:notesMasterIdLst>
   <p:sldIdLst>
     <p:sldId id="256" r:id="rId2"/>
-    <p:sldId id="279" r:id="rId3"/>
-    <p:sldId id="296" r:id="rId4"/>
-    <p:sldId id="297" r:id="rId5"/>
-    <p:sldId id="298" r:id="rId6"/>
-    <p:sldId id="291" r:id="rId7"/>
+    <p:sldId id="292" r:id="rId3"/>
+    <p:sldId id="293" r:id="rId4"/>
+    <p:sldId id="294" r:id="rId5"/>
+    <p:sldId id="291" r:id="rId6"/>
   </p:sldIdLst>
   <p:sldSz cx="12192000" cy="6858000"/>
   <p:notesSz cx="6858000" cy="9144000"/>
@@ -202,7 +201,7 @@
           <a:p>
             <a:fld id="{3F5DAF9C-BFBB-7344-81B1-BA27AD60250B}" type="datetimeFigureOut">
               <a:rPr lang="en-KW" smtClean="0"/>
-              <a:t>03/10/2025</a:t>
+              <a:t>07/10/2025</a:t>
             </a:fld>
             <a:endParaRPr lang="en-KW"/>
           </a:p>
@@ -619,7 +618,7 @@
           <a:p>
             <a:fld id="{AB78BAB4-45D1-EE48-BF00-BF3F291908FD}" type="datetimeFigureOut">
               <a:rPr lang="en-KW" smtClean="0"/>
-              <a:t>03/10/2025</a:t>
+              <a:t>07/10/2025</a:t>
             </a:fld>
             <a:endParaRPr lang="en-KW"/>
           </a:p>
@@ -819,7 +818,7 @@
           <a:p>
             <a:fld id="{AB78BAB4-45D1-EE48-BF00-BF3F291908FD}" type="datetimeFigureOut">
               <a:rPr lang="en-KW" smtClean="0"/>
-              <a:t>03/10/2025</a:t>
+              <a:t>07/10/2025</a:t>
             </a:fld>
             <a:endParaRPr lang="en-KW"/>
           </a:p>
@@ -1029,7 +1028,7 @@
           <a:p>
             <a:fld id="{AB78BAB4-45D1-EE48-BF00-BF3F291908FD}" type="datetimeFigureOut">
               <a:rPr lang="en-KW" smtClean="0"/>
-              <a:t>03/10/2025</a:t>
+              <a:t>07/10/2025</a:t>
             </a:fld>
             <a:endParaRPr lang="en-KW"/>
           </a:p>
@@ -1252,7 +1251,7 @@
           <a:p>
             <a:fld id="{AB78BAB4-45D1-EE48-BF00-BF3F291908FD}" type="datetimeFigureOut">
               <a:rPr lang="en-KW" smtClean="0"/>
-              <a:t>03/10/2025</a:t>
+              <a:t>07/10/2025</a:t>
             </a:fld>
             <a:endParaRPr lang="en-KW"/>
           </a:p>
@@ -1528,7 +1527,7 @@
           <a:p>
             <a:fld id="{AB78BAB4-45D1-EE48-BF00-BF3F291908FD}" type="datetimeFigureOut">
               <a:rPr lang="en-KW" smtClean="0"/>
-              <a:t>03/10/2025</a:t>
+              <a:t>07/10/2025</a:t>
             </a:fld>
             <a:endParaRPr lang="en-KW"/>
           </a:p>
@@ -1840,7 +1839,7 @@
           <a:p>
             <a:fld id="{AB78BAB4-45D1-EE48-BF00-BF3F291908FD}" type="datetimeFigureOut">
               <a:rPr lang="en-KW" smtClean="0"/>
-              <a:t>03/10/2025</a:t>
+              <a:t>07/10/2025</a:t>
             </a:fld>
             <a:endParaRPr lang="en-KW"/>
           </a:p>
@@ -2271,7 +2270,7 @@
           <a:p>
             <a:fld id="{AB78BAB4-45D1-EE48-BF00-BF3F291908FD}" type="datetimeFigureOut">
               <a:rPr lang="en-KW" smtClean="0"/>
-              <a:t>03/10/2025</a:t>
+              <a:t>07/10/2025</a:t>
             </a:fld>
             <a:endParaRPr lang="en-KW"/>
           </a:p>
@@ -2413,7 +2412,7 @@
           <a:p>
             <a:fld id="{AB78BAB4-45D1-EE48-BF00-BF3F291908FD}" type="datetimeFigureOut">
               <a:rPr lang="en-KW" smtClean="0"/>
-              <a:t>03/10/2025</a:t>
+              <a:t>07/10/2025</a:t>
             </a:fld>
             <a:endParaRPr lang="en-KW"/>
           </a:p>
@@ -2526,7 +2525,7 @@
           <a:p>
             <a:fld id="{AB78BAB4-45D1-EE48-BF00-BF3F291908FD}" type="datetimeFigureOut">
               <a:rPr lang="en-KW" smtClean="0"/>
-              <a:t>03/10/2025</a:t>
+              <a:t>07/10/2025</a:t>
             </a:fld>
             <a:endParaRPr lang="en-KW"/>
           </a:p>
@@ -2839,7 +2838,7 @@
           <a:p>
             <a:fld id="{AB78BAB4-45D1-EE48-BF00-BF3F291908FD}" type="datetimeFigureOut">
               <a:rPr lang="en-KW" smtClean="0"/>
-              <a:t>03/10/2025</a:t>
+              <a:t>07/10/2025</a:t>
             </a:fld>
             <a:endParaRPr lang="en-KW"/>
           </a:p>
@@ -3128,7 +3127,7 @@
           <a:p>
             <a:fld id="{AB78BAB4-45D1-EE48-BF00-BF3F291908FD}" type="datetimeFigureOut">
               <a:rPr lang="en-KW" smtClean="0"/>
-              <a:t>03/10/2025</a:t>
+              <a:t>07/10/2025</a:t>
             </a:fld>
             <a:endParaRPr lang="en-KW"/>
           </a:p>
@@ -3371,7 +3370,7 @@
           <a:p>
             <a:fld id="{AB78BAB4-45D1-EE48-BF00-BF3F291908FD}" type="datetimeFigureOut">
               <a:rPr lang="en-KW" smtClean="0"/>
-              <a:t>03/10/2025</a:t>
+              <a:t>07/10/2025</a:t>
             </a:fld>
             <a:endParaRPr lang="en-KW"/>
           </a:p>
@@ -3811,7 +3810,7 @@
           <a:p>
             <a:r>
               <a:rPr lang="en-KW" dirty="0"/>
-              <a:t>Block 5: Non-Linear Modeling</a:t>
+              <a:t>Block 5: Evaluation</a:t>
             </a:r>
           </a:p>
         </p:txBody>
@@ -3885,7 +3884,7 @@
           <p:cNvPr id="2" name="Title 1">
             <a:extLst>
               <a:ext uri="{FF2B5EF4-FFF2-40B4-BE49-F238E27FC236}">
-                <a16:creationId xmlns:a16="http://schemas.microsoft.com/office/drawing/2014/main" id="{7B0B8F52-D0B1-380B-3F64-8BC098481C16}"/>
+                <a16:creationId xmlns:a16="http://schemas.microsoft.com/office/drawing/2014/main" id="{BBF3210C-58D0-5714-06FB-D3FBB768C238}"/>
               </a:ext>
             </a:extLst>
           </p:cNvPr>
@@ -3902,94 +3901,18 @@
           <a:lstStyle/>
           <a:p>
             <a:r>
-              <a:rPr lang="en-US" dirty="0"/>
-              <a:t>Relationship Looks Non-Linear</a:t>
-            </a:r>
-            <a:endParaRPr lang="en-KW" dirty="0"/>
-          </a:p>
-        </p:txBody>
-      </p:sp>
-      <p:sp>
-        <p:nvSpPr>
-          <p:cNvPr id="24" name="Content Placeholder 23">
-            <a:extLst>
-              <a:ext uri="{FF2B5EF4-FFF2-40B4-BE49-F238E27FC236}">
-                <a16:creationId xmlns:a16="http://schemas.microsoft.com/office/drawing/2014/main" id="{C39BCD28-80F7-7C37-B8B3-C282F06DCA78}"/>
-              </a:ext>
-            </a:extLst>
-          </p:cNvPr>
-          <p:cNvSpPr>
-            <a:spLocks noGrp="1"/>
-          </p:cNvSpPr>
-          <p:nvPr>
-            <p:ph idx="1"/>
-          </p:nvPr>
-        </p:nvSpPr>
-        <p:spPr>
-          <a:xfrm>
-            <a:off x="838200" y="4224759"/>
-            <a:ext cx="10515600" cy="1952204"/>
-          </a:xfrm>
-        </p:spPr>
-        <p:txBody>
-          <a:bodyPr/>
-          <a:lstStyle/>
-          <a:p>
-            <a:pPr marL="0" indent="0">
-              <a:buNone/>
-            </a:pPr>
-            <a:r>
               <a:rPr lang="en-KW" dirty="0"/>
-              <a:t>Can we use a better model without throwing away everything we have already?</a:t>
-            </a:r>
-          </a:p>
-          <a:p>
-            <a:pPr marL="0" indent="0" algn="ctr">
-              <a:buNone/>
-            </a:pPr>
-            <a:r>
-              <a:rPr lang="en-KW" dirty="0">
-                <a:solidFill>
-                  <a:srgbClr val="00B0F0"/>
-                </a:solidFill>
-              </a:rPr>
-              <a:t>MPG = exp(z)</a:t>
-            </a:r>
-          </a:p>
-          <a:p>
-            <a:pPr marL="0" indent="0" algn="ctr">
-              <a:buNone/>
-            </a:pPr>
-            <a:r>
-              <a:rPr lang="en-KW" dirty="0">
-                <a:solidFill>
-                  <a:srgbClr val="00B0F0"/>
-                </a:solidFill>
-              </a:rPr>
-              <a:t>z = </a:t>
-            </a:r>
-            <a:r>
-              <a:rPr lang="en-KW" sz="2800" b="1" dirty="0">
-                <a:solidFill>
-                  <a:srgbClr val="00B0F0"/>
-                </a:solidFill>
-              </a:rPr>
-              <a:t>b0 + b1 * HP + b2 * Displacement + ...</a:t>
-            </a:r>
-            <a:endParaRPr lang="en-KW" dirty="0">
-              <a:solidFill>
-                <a:srgbClr val="00B0F0"/>
-              </a:solidFill>
-            </a:endParaRPr>
+              <a:t>Evaluating on All Data</a:t>
+            </a:r>
           </a:p>
         </p:txBody>
       </p:sp>
       <p:pic>
         <p:nvPicPr>
-          <p:cNvPr id="30" name="Graphic 29">
-            <a:extLst>
-              <a:ext uri="{FF2B5EF4-FFF2-40B4-BE49-F238E27FC236}">
-                <a16:creationId xmlns:a16="http://schemas.microsoft.com/office/drawing/2014/main" id="{E73EC9C3-2D77-FCCB-05C9-CB208A3B6420}"/>
+          <p:cNvPr id="4" name="Picture 3">
+            <a:extLst>
+              <a:ext uri="{FF2B5EF4-FFF2-40B4-BE49-F238E27FC236}">
+                <a16:creationId xmlns:a16="http://schemas.microsoft.com/office/drawing/2014/main" id="{7C269616-13BD-D621-48F7-A6B000B60145}"/>
               </a:ext>
             </a:extLst>
           </p:cNvPr>
@@ -3999,37 +3922,370 @@
           <p:nvPr/>
         </p:nvPicPr>
         <p:blipFill>
-          <a:blip r:embed="rId2">
-            <a:extLst>
-              <a:ext uri="{96DAC541-7B7A-43D3-8B79-37D633B846F1}">
-                <asvg:svgBlip xmlns:asvg="http://schemas.microsoft.com/office/drawing/2016/SVG/main" r:embed="rId3"/>
-              </a:ext>
-            </a:extLst>
-          </a:blip>
+          <a:blip r:embed="rId2"/>
+          <a:srcRect r="70091"/>
+          <a:stretch/>
+        </p:blipFill>
+        <p:spPr>
+          <a:xfrm>
+            <a:off x="838202" y="2216781"/>
+            <a:ext cx="3145076" cy="3392904"/>
+          </a:xfrm>
+          <a:prstGeom prst="rect">
+            <a:avLst/>
+          </a:prstGeom>
+        </p:spPr>
+      </p:pic>
+      <p:pic>
+        <p:nvPicPr>
+          <p:cNvPr id="5" name="Picture 4">
+            <a:extLst>
+              <a:ext uri="{FF2B5EF4-FFF2-40B4-BE49-F238E27FC236}">
+                <a16:creationId xmlns:a16="http://schemas.microsoft.com/office/drawing/2014/main" id="{0B4BDD9B-5FAF-FFE3-2521-03EB6103ABF1}"/>
+              </a:ext>
+            </a:extLst>
+          </p:cNvPr>
+          <p:cNvPicPr>
+            <a:picLocks noChangeAspect="1"/>
+          </p:cNvPicPr>
+          <p:nvPr/>
+        </p:nvPicPr>
+        <p:blipFill>
+          <a:blip r:embed="rId2"/>
+          <a:srcRect l="70091"/>
+          <a:stretch/>
+        </p:blipFill>
+        <p:spPr>
+          <a:xfrm>
+            <a:off x="8208724" y="2216781"/>
+            <a:ext cx="3145076" cy="3392904"/>
+          </a:xfrm>
+          <a:prstGeom prst="rect">
+            <a:avLst/>
+          </a:prstGeom>
+        </p:spPr>
+      </p:pic>
+      <p:pic>
+        <p:nvPicPr>
+          <p:cNvPr id="6" name="Picture 5">
+            <a:extLst>
+              <a:ext uri="{FF2B5EF4-FFF2-40B4-BE49-F238E27FC236}">
+                <a16:creationId xmlns:a16="http://schemas.microsoft.com/office/drawing/2014/main" id="{E6BAC1FF-4688-5CC8-6DE9-F3BF679FD7A6}"/>
+              </a:ext>
+            </a:extLst>
+          </p:cNvPr>
+          <p:cNvPicPr>
+            <a:picLocks noChangeAspect="1"/>
+          </p:cNvPicPr>
+          <p:nvPr/>
+        </p:nvPicPr>
+        <p:blipFill>
+          <a:blip r:embed="rId2"/>
           <a:stretch>
             <a:fillRect/>
           </a:stretch>
         </p:blipFill>
         <p:spPr>
           <a:xfrm>
-            <a:off x="838200" y="1981621"/>
-            <a:ext cx="10284438" cy="1952204"/>
+            <a:off x="838201" y="2216781"/>
+            <a:ext cx="10515599" cy="3392904"/>
           </a:xfrm>
           <a:prstGeom prst="rect">
             <a:avLst/>
           </a:prstGeom>
         </p:spPr>
       </p:pic>
+      <p:sp>
+        <p:nvSpPr>
+          <p:cNvPr id="7" name="TextBox 6">
+            <a:extLst>
+              <a:ext uri="{FF2B5EF4-FFF2-40B4-BE49-F238E27FC236}">
+                <a16:creationId xmlns:a16="http://schemas.microsoft.com/office/drawing/2014/main" id="{FFE758BB-34B2-F0D2-07F0-59D7168BF47D}"/>
+              </a:ext>
+            </a:extLst>
+          </p:cNvPr>
+          <p:cNvSpPr txBox="1"/>
+          <p:nvPr/>
+        </p:nvSpPr>
+        <p:spPr>
+          <a:xfrm>
+            <a:off x="4313172" y="6135778"/>
+            <a:ext cx="3565656" cy="523220"/>
+          </a:xfrm>
+          <a:prstGeom prst="rect">
+            <a:avLst/>
+          </a:prstGeom>
+          <a:solidFill>
+            <a:srgbClr val="FFC000"/>
+          </a:solidFill>
+        </p:spPr>
+        <p:txBody>
+          <a:bodyPr wrap="none" rtlCol="0">
+            <a:spAutoFit/>
+          </a:bodyPr>
+          <a:lstStyle/>
+          <a:p>
+            <a:r>
+              <a:rPr lang="en-KW" sz="2800" b="1" dirty="0">
+                <a:solidFill>
+                  <a:srgbClr val="7030A0"/>
+                </a:solidFill>
+              </a:rPr>
+              <a:t>So this is best, right?</a:t>
+            </a:r>
+          </a:p>
+        </p:txBody>
+      </p:sp>
+      <p:cxnSp>
+        <p:nvCxnSpPr>
+          <p:cNvPr id="9" name="Straight Arrow Connector 8">
+            <a:extLst>
+              <a:ext uri="{FF2B5EF4-FFF2-40B4-BE49-F238E27FC236}">
+                <a16:creationId xmlns:a16="http://schemas.microsoft.com/office/drawing/2014/main" id="{2AB4A204-E915-BDD8-6DF1-5CC5A24A5158}"/>
+              </a:ext>
+            </a:extLst>
+          </p:cNvPr>
+          <p:cNvCxnSpPr>
+            <a:stCxn id="7" idx="0"/>
+            <a:endCxn id="6" idx="2"/>
+          </p:cNvCxnSpPr>
+          <p:nvPr/>
+        </p:nvCxnSpPr>
+        <p:spPr>
+          <a:xfrm flipV="1">
+            <a:off x="6096000" y="5609685"/>
+            <a:ext cx="1" cy="526093"/>
+          </a:xfrm>
+          <a:prstGeom prst="straightConnector1">
+            <a:avLst/>
+          </a:prstGeom>
+          <a:ln w="57150">
+            <a:solidFill>
+              <a:srgbClr val="FFC000"/>
+            </a:solidFill>
+            <a:tailEnd type="triangle"/>
+          </a:ln>
+        </p:spPr>
+        <p:style>
+          <a:lnRef idx="2">
+            <a:schemeClr val="accent1"/>
+          </a:lnRef>
+          <a:fillRef idx="0">
+            <a:schemeClr val="accent1"/>
+          </a:fillRef>
+          <a:effectRef idx="1">
+            <a:schemeClr val="accent1"/>
+          </a:effectRef>
+          <a:fontRef idx="minor">
+            <a:schemeClr val="tx1"/>
+          </a:fontRef>
+        </p:style>
+      </p:cxnSp>
     </p:spTree>
     <p:extLst>
       <p:ext uri="{BB962C8B-B14F-4D97-AF65-F5344CB8AC3E}">
-        <p14:creationId xmlns:p14="http://schemas.microsoft.com/office/powerpoint/2010/main" val="2416573351"/>
+        <p14:creationId xmlns:p14="http://schemas.microsoft.com/office/powerpoint/2010/main" val="4220557205"/>
       </p:ext>
     </p:extLst>
   </p:cSld>
   <p:clrMapOvr>
     <a:masterClrMapping/>
   </p:clrMapOvr>
+  <p:timing>
+    <p:tnLst>
+      <p:par>
+        <p:cTn id="1" dur="indefinite" restart="never" nodeType="tmRoot">
+          <p:childTnLst>
+            <p:seq concurrent="1" nextAc="seek">
+              <p:cTn id="2" dur="indefinite" nodeType="mainSeq">
+                <p:childTnLst>
+                  <p:par>
+                    <p:cTn id="3" fill="hold">
+                      <p:stCondLst>
+                        <p:cond delay="indefinite"/>
+                      </p:stCondLst>
+                      <p:childTnLst>
+                        <p:par>
+                          <p:cTn id="4" fill="hold">
+                            <p:stCondLst>
+                              <p:cond delay="0"/>
+                            </p:stCondLst>
+                            <p:childTnLst>
+                              <p:par>
+                                <p:cTn id="5" presetID="1" presetClass="entr" presetSubtype="0" fill="hold" nodeType="clickEffect">
+                                  <p:stCondLst>
+                                    <p:cond delay="0"/>
+                                  </p:stCondLst>
+                                  <p:childTnLst>
+                                    <p:set>
+                                      <p:cBhvr>
+                                        <p:cTn id="6" dur="1" fill="hold">
+                                          <p:stCondLst>
+                                            <p:cond delay="0"/>
+                                          </p:stCondLst>
+                                        </p:cTn>
+                                        <p:tgtEl>
+                                          <p:spTgt spid="5"/>
+                                        </p:tgtEl>
+                                        <p:attrNameLst>
+                                          <p:attrName>style.visibility</p:attrName>
+                                        </p:attrNameLst>
+                                      </p:cBhvr>
+                                      <p:to>
+                                        <p:strVal val="visible"/>
+                                      </p:to>
+                                    </p:set>
+                                  </p:childTnLst>
+                                </p:cTn>
+                              </p:par>
+                            </p:childTnLst>
+                          </p:cTn>
+                        </p:par>
+                      </p:childTnLst>
+                    </p:cTn>
+                  </p:par>
+                  <p:par>
+                    <p:cTn id="7" fill="hold">
+                      <p:stCondLst>
+                        <p:cond delay="indefinite"/>
+                      </p:stCondLst>
+                      <p:childTnLst>
+                        <p:par>
+                          <p:cTn id="8" fill="hold">
+                            <p:stCondLst>
+                              <p:cond delay="0"/>
+                            </p:stCondLst>
+                            <p:childTnLst>
+                              <p:par>
+                                <p:cTn id="9" presetID="1" presetClass="entr" presetSubtype="0" fill="hold" nodeType="clickEffect">
+                                  <p:stCondLst>
+                                    <p:cond delay="0"/>
+                                  </p:stCondLst>
+                                  <p:childTnLst>
+                                    <p:set>
+                                      <p:cBhvr>
+                                        <p:cTn id="10" dur="1" fill="hold">
+                                          <p:stCondLst>
+                                            <p:cond delay="0"/>
+                                          </p:stCondLst>
+                                        </p:cTn>
+                                        <p:tgtEl>
+                                          <p:spTgt spid="6"/>
+                                        </p:tgtEl>
+                                        <p:attrNameLst>
+                                          <p:attrName>style.visibility</p:attrName>
+                                        </p:attrNameLst>
+                                      </p:cBhvr>
+                                      <p:to>
+                                        <p:strVal val="visible"/>
+                                      </p:to>
+                                    </p:set>
+                                  </p:childTnLst>
+                                </p:cTn>
+                              </p:par>
+                            </p:childTnLst>
+                          </p:cTn>
+                        </p:par>
+                      </p:childTnLst>
+                    </p:cTn>
+                  </p:par>
+                  <p:par>
+                    <p:cTn id="11" fill="hold">
+                      <p:stCondLst>
+                        <p:cond delay="indefinite"/>
+                      </p:stCondLst>
+                      <p:childTnLst>
+                        <p:par>
+                          <p:cTn id="12" fill="hold">
+                            <p:stCondLst>
+                              <p:cond delay="0"/>
+                            </p:stCondLst>
+                            <p:childTnLst>
+                              <p:par>
+                                <p:cTn id="13" presetID="1" presetClass="entr" presetSubtype="0" fill="hold" nodeType="clickEffect">
+                                  <p:stCondLst>
+                                    <p:cond delay="0"/>
+                                  </p:stCondLst>
+                                  <p:childTnLst>
+                                    <p:set>
+                                      <p:cBhvr>
+                                        <p:cTn id="14" dur="1" fill="hold">
+                                          <p:stCondLst>
+                                            <p:cond delay="0"/>
+                                          </p:stCondLst>
+                                        </p:cTn>
+                                        <p:tgtEl>
+                                          <p:spTgt spid="9"/>
+                                        </p:tgtEl>
+                                        <p:attrNameLst>
+                                          <p:attrName>style.visibility</p:attrName>
+                                        </p:attrNameLst>
+                                      </p:cBhvr>
+                                      <p:to>
+                                        <p:strVal val="visible"/>
+                                      </p:to>
+                                    </p:set>
+                                  </p:childTnLst>
+                                </p:cTn>
+                              </p:par>
+                              <p:par>
+                                <p:cTn id="15" presetID="1" presetClass="entr" presetSubtype="0" fill="hold" grpId="0" nodeType="withEffect">
+                                  <p:stCondLst>
+                                    <p:cond delay="0"/>
+                                  </p:stCondLst>
+                                  <p:childTnLst>
+                                    <p:set>
+                                      <p:cBhvr>
+                                        <p:cTn id="16" dur="1" fill="hold">
+                                          <p:stCondLst>
+                                            <p:cond delay="0"/>
+                                          </p:stCondLst>
+                                        </p:cTn>
+                                        <p:tgtEl>
+                                          <p:spTgt spid="7"/>
+                                        </p:tgtEl>
+                                        <p:attrNameLst>
+                                          <p:attrName>style.visibility</p:attrName>
+                                        </p:attrNameLst>
+                                      </p:cBhvr>
+                                      <p:to>
+                                        <p:strVal val="visible"/>
+                                      </p:to>
+                                    </p:set>
+                                  </p:childTnLst>
+                                </p:cTn>
+                              </p:par>
+                            </p:childTnLst>
+                          </p:cTn>
+                        </p:par>
+                      </p:childTnLst>
+                    </p:cTn>
+                  </p:par>
+                </p:childTnLst>
+              </p:cTn>
+              <p:prevCondLst>
+                <p:cond evt="onPrev" delay="0">
+                  <p:tgtEl>
+                    <p:sldTgt/>
+                  </p:tgtEl>
+                </p:cond>
+              </p:prevCondLst>
+              <p:nextCondLst>
+                <p:cond evt="onNext" delay="0">
+                  <p:tgtEl>
+                    <p:sldTgt/>
+                  </p:tgtEl>
+                </p:cond>
+              </p:nextCondLst>
+            </p:seq>
+          </p:childTnLst>
+        </p:cTn>
+      </p:par>
+    </p:tnLst>
+    <p:bldLst>
+      <p:bldP spid="7" grpId="0" animBg="1"/>
+    </p:bldLst>
+  </p:timing>
 </p:sld>
 </file>
 
@@ -4038,7 +4294,13 @@
   <p:cSld>
     <p:spTree>
       <p:nvGrpSpPr>
-        <p:cNvPr id="1" name=""/>
+        <p:cNvPr id="1" name="">
+          <a:extLst>
+            <a:ext uri="{FF2B5EF4-FFF2-40B4-BE49-F238E27FC236}">
+              <a16:creationId xmlns:a16="http://schemas.microsoft.com/office/drawing/2014/main" id="{9E6F6298-9DE0-C60A-56A5-48BA4B9199C3}"/>
+            </a:ext>
+          </a:extLst>
+        </p:cNvPr>
         <p:cNvGrpSpPr/>
         <p:nvPr/>
       </p:nvGrpSpPr>
@@ -4055,7 +4317,7 @@
           <p:cNvPr id="2" name="Title 1">
             <a:extLst>
               <a:ext uri="{FF2B5EF4-FFF2-40B4-BE49-F238E27FC236}">
-                <a16:creationId xmlns:a16="http://schemas.microsoft.com/office/drawing/2014/main" id="{929474EB-FDFA-1B01-264D-A2135B1930F3}"/>
+                <a16:creationId xmlns:a16="http://schemas.microsoft.com/office/drawing/2014/main" id="{FC8D9E64-FD89-37A1-6B08-348DE1B78133}"/>
               </a:ext>
             </a:extLst>
           </p:cNvPr>
@@ -4073,1363 +4335,170 @@
           <a:p>
             <a:r>
               <a:rPr lang="en-KW" dirty="0"/>
-              <a:t>Chain Rule of Calculus</a:t>
-            </a:r>
-          </a:p>
-        </p:txBody>
-      </p:sp>
-      <mc:AlternateContent xmlns:mc="http://schemas.openxmlformats.org/markup-compatibility/2006">
-        <mc:Choice xmlns:a14="http://schemas.microsoft.com/office/drawing/2010/main" Requires="a14">
-          <p:sp>
-            <p:nvSpPr>
-              <p:cNvPr id="6" name="TextBox 5">
-                <a:extLst>
-                  <a:ext uri="{FF2B5EF4-FFF2-40B4-BE49-F238E27FC236}">
-                    <a16:creationId xmlns:a16="http://schemas.microsoft.com/office/drawing/2014/main" id="{DA9B563E-FBA8-83A4-A5BD-00C6BEA9C887}"/>
-                  </a:ext>
-                </a:extLst>
-              </p:cNvPr>
-              <p:cNvSpPr txBox="1"/>
-              <p:nvPr/>
-            </p:nvSpPr>
-            <p:spPr>
-              <a:xfrm>
-                <a:off x="838201" y="1853244"/>
-                <a:ext cx="10515600" cy="954107"/>
-              </a:xfrm>
-              <a:prstGeom prst="rect">
-                <a:avLst/>
-              </a:prstGeom>
-              <a:noFill/>
-            </p:spPr>
-            <p:txBody>
-              <a:bodyPr wrap="square">
-                <a:spAutoFit/>
-              </a:bodyPr>
-              <a:lstStyle/>
-              <a:p>
-                <a14:m>
-                  <m:oMath xmlns:m="http://schemas.openxmlformats.org/officeDocument/2006/math">
-                    <m:sSub>
-                      <m:sSubPr>
-                        <m:ctrlPr>
-                          <a:rPr lang="en-US" sz="2800" b="0" i="1" smtClean="0">
-                            <a:solidFill>
-                              <a:srgbClr val="7030A0"/>
-                            </a:solidFill>
-                            <a:latin typeface="Cambria Math" panose="02040503050406030204" pitchFamily="18" charset="0"/>
-                          </a:rPr>
-                        </m:ctrlPr>
-                      </m:sSubPr>
-                      <m:e>
-                        <m:r>
-                          <a:rPr lang="en-US" sz="2800" b="0" i="1" smtClean="0">
-                            <a:solidFill>
-                              <a:srgbClr val="7030A0"/>
-                            </a:solidFill>
-                            <a:latin typeface="Cambria Math" panose="02040503050406030204" pitchFamily="18" charset="0"/>
-                          </a:rPr>
-                          <m:t>ℒ</m:t>
-                        </m:r>
-                      </m:e>
-                      <m:sub>
-                        <m:r>
-                          <a:rPr lang="en-US" sz="2800" b="0" i="1" smtClean="0">
-                            <a:solidFill>
-                              <a:srgbClr val="7030A0"/>
-                            </a:solidFill>
-                            <a:latin typeface="Cambria Math" panose="02040503050406030204" pitchFamily="18" charset="0"/>
-                          </a:rPr>
-                          <m:t>𝑖</m:t>
-                        </m:r>
-                      </m:sub>
-                    </m:sSub>
-                    <m:r>
-                      <a:rPr lang="en-US" sz="2800" b="1" i="1" smtClean="0">
-                        <a:solidFill>
-                          <a:srgbClr val="7030A0"/>
-                        </a:solidFill>
-                        <a:latin typeface="Cambria Math" panose="02040503050406030204" pitchFamily="18" charset="0"/>
-                      </a:rPr>
-                      <m:t>=</m:t>
-                    </m:r>
-                    <m:sSup>
-                      <m:sSupPr>
-                        <m:ctrlPr>
-                          <a:rPr lang="en-US" sz="2800" b="1" i="1" smtClean="0">
-                            <a:solidFill>
-                              <a:srgbClr val="7030A0"/>
-                            </a:solidFill>
-                            <a:latin typeface="Cambria Math" panose="02040503050406030204" pitchFamily="18" charset="0"/>
-                          </a:rPr>
-                        </m:ctrlPr>
-                      </m:sSupPr>
-                      <m:e>
-                        <m:d>
-                          <m:dPr>
-                            <m:ctrlPr>
-                              <a:rPr lang="en-US" sz="2800" b="1" i="1" smtClean="0">
-                                <a:solidFill>
-                                  <a:srgbClr val="7030A0"/>
-                                </a:solidFill>
-                                <a:latin typeface="Cambria Math" panose="02040503050406030204" pitchFamily="18" charset="0"/>
-                              </a:rPr>
-                            </m:ctrlPr>
-                          </m:dPr>
-                          <m:e>
-                            <m:r>
-                              <a:rPr lang="en-US" sz="2800" b="0" i="1" smtClean="0">
-                                <a:solidFill>
-                                  <a:srgbClr val="7030A0"/>
-                                </a:solidFill>
-                                <a:latin typeface="Cambria Math" panose="02040503050406030204" pitchFamily="18" charset="0"/>
-                              </a:rPr>
-                              <m:t>𝑓</m:t>
-                            </m:r>
-                            <m:d>
-                              <m:dPr>
-                                <m:ctrlPr>
-                                  <a:rPr lang="en-US" sz="2800" b="0" i="1" smtClean="0">
-                                    <a:solidFill>
-                                      <a:srgbClr val="7030A0"/>
-                                    </a:solidFill>
-                                    <a:latin typeface="Cambria Math" panose="02040503050406030204" pitchFamily="18" charset="0"/>
-                                  </a:rPr>
-                                </m:ctrlPr>
-                              </m:dPr>
-                              <m:e>
-                                <m:sSub>
-                                  <m:sSubPr>
-                                    <m:ctrlPr>
-                                      <a:rPr lang="en-US" sz="2800" b="0" i="1" smtClean="0">
-                                        <a:solidFill>
-                                          <a:srgbClr val="7030A0"/>
-                                        </a:solidFill>
-                                        <a:latin typeface="Cambria Math" panose="02040503050406030204" pitchFamily="18" charset="0"/>
-                                      </a:rPr>
-                                    </m:ctrlPr>
-                                  </m:sSubPr>
-                                  <m:e>
-                                    <m:r>
-                                      <a:rPr lang="en-US" sz="2800" b="0" i="1" smtClean="0">
-                                        <a:solidFill>
-                                          <a:srgbClr val="7030A0"/>
-                                        </a:solidFill>
-                                        <a:latin typeface="Cambria Math" panose="02040503050406030204" pitchFamily="18" charset="0"/>
-                                      </a:rPr>
-                                      <m:t>𝑧</m:t>
-                                    </m:r>
-                                  </m:e>
-                                  <m:sub>
-                                    <m:r>
-                                      <a:rPr lang="en-US" sz="2800" b="0" i="1" smtClean="0">
-                                        <a:solidFill>
-                                          <a:srgbClr val="7030A0"/>
-                                        </a:solidFill>
-                                        <a:latin typeface="Cambria Math" panose="02040503050406030204" pitchFamily="18" charset="0"/>
-                                      </a:rPr>
-                                      <m:t>𝑖</m:t>
-                                    </m:r>
-                                  </m:sub>
-                                </m:sSub>
-                              </m:e>
-                            </m:d>
-                            <m:r>
-                              <a:rPr lang="en-US" sz="2800" b="0" i="1" smtClean="0">
-                                <a:solidFill>
-                                  <a:srgbClr val="7030A0"/>
-                                </a:solidFill>
-                                <a:latin typeface="Cambria Math" panose="02040503050406030204" pitchFamily="18" charset="0"/>
-                              </a:rPr>
-                              <m:t>−</m:t>
-                            </m:r>
-                            <m:sSub>
-                              <m:sSubPr>
-                                <m:ctrlPr>
-                                  <a:rPr lang="en-US" sz="2800" b="0" i="1" smtClean="0">
-                                    <a:solidFill>
-                                      <a:srgbClr val="7030A0"/>
-                                    </a:solidFill>
-                                    <a:latin typeface="Cambria Math" panose="02040503050406030204" pitchFamily="18" charset="0"/>
-                                  </a:rPr>
-                                </m:ctrlPr>
-                              </m:sSubPr>
-                              <m:e>
-                                <m:r>
-                                  <a:rPr lang="en-US" sz="2800" b="0" i="1" smtClean="0">
-                                    <a:solidFill>
-                                      <a:srgbClr val="7030A0"/>
-                                    </a:solidFill>
-                                    <a:latin typeface="Cambria Math" panose="02040503050406030204" pitchFamily="18" charset="0"/>
-                                  </a:rPr>
-                                  <m:t>𝑦</m:t>
-                                </m:r>
-                              </m:e>
-                              <m:sub>
-                                <m:r>
-                                  <a:rPr lang="en-US" sz="2800" b="0" i="1" smtClean="0">
-                                    <a:solidFill>
-                                      <a:srgbClr val="7030A0"/>
-                                    </a:solidFill>
-                                    <a:latin typeface="Cambria Math" panose="02040503050406030204" pitchFamily="18" charset="0"/>
-                                  </a:rPr>
-                                  <m:t>𝑖</m:t>
-                                </m:r>
-                              </m:sub>
-                            </m:sSub>
-                          </m:e>
-                        </m:d>
-                      </m:e>
-                      <m:sup>
-                        <m:r>
-                          <a:rPr lang="en-US" sz="2800" b="0" i="1" smtClean="0">
-                            <a:solidFill>
-                              <a:srgbClr val="7030A0"/>
-                            </a:solidFill>
-                            <a:latin typeface="Cambria Math" panose="02040503050406030204" pitchFamily="18" charset="0"/>
-                          </a:rPr>
-                          <m:t>2</m:t>
-                        </m:r>
-                      </m:sup>
-                    </m:sSup>
-                  </m:oMath>
-                </a14:m>
-                <a:r>
-                  <a:rPr lang="en-US" sz="2800" b="1" i="1" dirty="0">
-                    <a:solidFill>
-                      <a:srgbClr val="7030A0"/>
-                    </a:solidFill>
-                    <a:latin typeface="Cambria Math" panose="02040503050406030204" pitchFamily="18" charset="0"/>
-                  </a:rPr>
-                  <a:t>	</a:t>
-                </a:r>
-                <a14:m>
-                  <m:oMath xmlns:m="http://schemas.openxmlformats.org/officeDocument/2006/math">
-                    <m:r>
-                      <a:rPr lang="en-US" sz="2800" b="0" i="1" smtClean="0">
-                        <a:solidFill>
-                          <a:srgbClr val="7030A0"/>
-                        </a:solidFill>
-                        <a:latin typeface="Cambria Math" panose="02040503050406030204" pitchFamily="18" charset="0"/>
-                      </a:rPr>
-                      <m:t>𝑓</m:t>
-                    </m:r>
-                    <m:d>
-                      <m:dPr>
-                        <m:ctrlPr>
-                          <a:rPr lang="en-US" sz="2800" b="0" i="1" smtClean="0">
-                            <a:solidFill>
-                              <a:srgbClr val="7030A0"/>
-                            </a:solidFill>
-                            <a:latin typeface="Cambria Math" panose="02040503050406030204" pitchFamily="18" charset="0"/>
-                          </a:rPr>
-                        </m:ctrlPr>
-                      </m:dPr>
-                      <m:e>
-                        <m:sSub>
-                          <m:sSubPr>
-                            <m:ctrlPr>
-                              <a:rPr lang="en-US" sz="2800" b="0" i="1" smtClean="0">
-                                <a:solidFill>
-                                  <a:srgbClr val="7030A0"/>
-                                </a:solidFill>
-                                <a:latin typeface="Cambria Math" panose="02040503050406030204" pitchFamily="18" charset="0"/>
-                              </a:rPr>
-                            </m:ctrlPr>
-                          </m:sSubPr>
-                          <m:e>
-                            <m:r>
-                              <a:rPr lang="en-US" sz="2800" b="0" i="1" smtClean="0">
-                                <a:solidFill>
-                                  <a:srgbClr val="7030A0"/>
-                                </a:solidFill>
-                                <a:latin typeface="Cambria Math" panose="02040503050406030204" pitchFamily="18" charset="0"/>
-                              </a:rPr>
-                              <m:t>𝑧</m:t>
-                            </m:r>
-                          </m:e>
-                          <m:sub>
-                            <m:r>
-                              <a:rPr lang="en-US" sz="2800" b="0" i="1" smtClean="0">
-                                <a:solidFill>
-                                  <a:srgbClr val="7030A0"/>
-                                </a:solidFill>
-                                <a:latin typeface="Cambria Math" panose="02040503050406030204" pitchFamily="18" charset="0"/>
-                              </a:rPr>
-                              <m:t>𝑖</m:t>
-                            </m:r>
-                          </m:sub>
-                        </m:sSub>
-                      </m:e>
-                    </m:d>
-                    <m:r>
-                      <a:rPr lang="en-US" sz="2800" b="0" i="1" smtClean="0">
-                        <a:solidFill>
-                          <a:srgbClr val="7030A0"/>
-                        </a:solidFill>
-                        <a:latin typeface="Cambria Math" panose="02040503050406030204" pitchFamily="18" charset="0"/>
-                      </a:rPr>
-                      <m:t>=</m:t>
-                    </m:r>
-                    <m:func>
-                      <m:funcPr>
-                        <m:ctrlPr>
-                          <a:rPr lang="en-US" sz="2800" b="0" i="1" smtClean="0">
-                            <a:solidFill>
-                              <a:srgbClr val="7030A0"/>
-                            </a:solidFill>
-                            <a:latin typeface="Cambria Math" panose="02040503050406030204" pitchFamily="18" charset="0"/>
-                          </a:rPr>
-                        </m:ctrlPr>
-                      </m:funcPr>
-                      <m:fName>
-                        <m:r>
-                          <m:rPr>
-                            <m:sty m:val="p"/>
-                          </m:rPr>
-                          <a:rPr lang="en-US" sz="2800" b="0" i="0" smtClean="0">
-                            <a:solidFill>
-                              <a:srgbClr val="7030A0"/>
-                            </a:solidFill>
-                            <a:latin typeface="Cambria Math" panose="02040503050406030204" pitchFamily="18" charset="0"/>
-                          </a:rPr>
-                          <m:t>exp</m:t>
-                        </m:r>
-                      </m:fName>
-                      <m:e>
-                        <m:d>
-                          <m:dPr>
-                            <m:ctrlPr>
-                              <a:rPr lang="en-US" sz="2800" b="0" i="1" smtClean="0">
-                                <a:solidFill>
-                                  <a:srgbClr val="7030A0"/>
-                                </a:solidFill>
-                                <a:latin typeface="Cambria Math" panose="02040503050406030204" pitchFamily="18" charset="0"/>
-                              </a:rPr>
-                            </m:ctrlPr>
-                          </m:dPr>
-                          <m:e>
-                            <m:sSub>
-                              <m:sSubPr>
-                                <m:ctrlPr>
-                                  <a:rPr lang="en-US" sz="2800" b="0" i="1" smtClean="0">
-                                    <a:solidFill>
-                                      <a:srgbClr val="7030A0"/>
-                                    </a:solidFill>
-                                    <a:latin typeface="Cambria Math" panose="02040503050406030204" pitchFamily="18" charset="0"/>
-                                  </a:rPr>
-                                </m:ctrlPr>
-                              </m:sSubPr>
-                              <m:e>
-                                <m:r>
-                                  <a:rPr lang="en-US" sz="2800" b="0" i="1" smtClean="0">
-                                    <a:solidFill>
-                                      <a:srgbClr val="7030A0"/>
-                                    </a:solidFill>
-                                    <a:latin typeface="Cambria Math" panose="02040503050406030204" pitchFamily="18" charset="0"/>
-                                  </a:rPr>
-                                  <m:t>𝑧</m:t>
-                                </m:r>
-                              </m:e>
-                              <m:sub>
-                                <m:r>
-                                  <a:rPr lang="en-US" sz="2800" b="0" i="1" smtClean="0">
-                                    <a:solidFill>
-                                      <a:srgbClr val="7030A0"/>
-                                    </a:solidFill>
-                                    <a:latin typeface="Cambria Math" panose="02040503050406030204" pitchFamily="18" charset="0"/>
-                                  </a:rPr>
-                                  <m:t>𝑖</m:t>
-                                </m:r>
-                              </m:sub>
-                            </m:sSub>
-                          </m:e>
-                        </m:d>
-                      </m:e>
-                    </m:func>
-                  </m:oMath>
-                </a14:m>
-                <a:r>
-                  <a:rPr lang="en-US" sz="2800" i="1" dirty="0">
-                    <a:solidFill>
-                      <a:srgbClr val="7030A0"/>
-                    </a:solidFill>
-                    <a:latin typeface="Cambria Math" panose="02040503050406030204" pitchFamily="18" charset="0"/>
-                  </a:rPr>
-                  <a:t>	</a:t>
-                </a:r>
-                <a:r>
-                  <a:rPr lang="en-US" sz="2800" dirty="0">
-                    <a:solidFill>
-                      <a:srgbClr val="7030A0"/>
-                    </a:solidFill>
-                  </a:rPr>
-                  <a:t> </a:t>
-                </a:r>
-                <a14:m>
-                  <m:oMath xmlns:m="http://schemas.openxmlformats.org/officeDocument/2006/math">
-                    <m:sSub>
-                      <m:sSubPr>
-                        <m:ctrlPr>
-                          <a:rPr lang="en-US" sz="2800" i="1">
-                            <a:solidFill>
-                              <a:srgbClr val="7030A0"/>
-                            </a:solidFill>
-                            <a:latin typeface="Cambria Math" panose="02040503050406030204" pitchFamily="18" charset="0"/>
-                          </a:rPr>
-                        </m:ctrlPr>
-                      </m:sSubPr>
-                      <m:e>
-                        <m:r>
-                          <a:rPr lang="en-US" sz="2800" i="1">
-                            <a:solidFill>
-                              <a:srgbClr val="7030A0"/>
-                            </a:solidFill>
-                            <a:latin typeface="Cambria Math" panose="02040503050406030204" pitchFamily="18" charset="0"/>
-                          </a:rPr>
-                          <m:t>𝑧</m:t>
-                        </m:r>
-                      </m:e>
-                      <m:sub>
-                        <m:r>
-                          <a:rPr lang="en-US" sz="2800" i="1">
-                            <a:solidFill>
-                              <a:srgbClr val="7030A0"/>
-                            </a:solidFill>
-                            <a:latin typeface="Cambria Math" panose="02040503050406030204" pitchFamily="18" charset="0"/>
-                          </a:rPr>
-                          <m:t>𝑖</m:t>
-                        </m:r>
-                      </m:sub>
-                    </m:sSub>
-                    <m:r>
-                      <a:rPr lang="en-US" sz="2800" b="1" i="1">
-                        <a:solidFill>
-                          <a:srgbClr val="7030A0"/>
-                        </a:solidFill>
-                        <a:latin typeface="Cambria Math" panose="02040503050406030204" pitchFamily="18" charset="0"/>
-                      </a:rPr>
-                      <m:t>=</m:t>
-                    </m:r>
-                    <m:sSub>
-                      <m:sSubPr>
-                        <m:ctrlPr>
-                          <a:rPr lang="en-US" sz="2800" i="1">
-                            <a:solidFill>
-                              <a:srgbClr val="7030A0"/>
-                            </a:solidFill>
-                            <a:latin typeface="Cambria Math" panose="02040503050406030204" pitchFamily="18" charset="0"/>
-                          </a:rPr>
-                        </m:ctrlPr>
-                      </m:sSubPr>
-                      <m:e>
-                        <m:r>
-                          <a:rPr lang="en-US" sz="2800" i="1">
-                            <a:solidFill>
-                              <a:srgbClr val="7030A0"/>
-                            </a:solidFill>
-                            <a:latin typeface="Cambria Math" panose="02040503050406030204" pitchFamily="18" charset="0"/>
-                          </a:rPr>
-                          <m:t>𝑏</m:t>
-                        </m:r>
-                      </m:e>
-                      <m:sub>
-                        <m:r>
-                          <a:rPr lang="en-US" sz="2800" i="1">
-                            <a:solidFill>
-                              <a:srgbClr val="7030A0"/>
-                            </a:solidFill>
-                            <a:latin typeface="Cambria Math" panose="02040503050406030204" pitchFamily="18" charset="0"/>
-                          </a:rPr>
-                          <m:t>0</m:t>
-                        </m:r>
-                      </m:sub>
-                    </m:sSub>
-                    <m:r>
-                      <a:rPr lang="en-US" sz="2800" i="1">
-                        <a:solidFill>
-                          <a:srgbClr val="7030A0"/>
-                        </a:solidFill>
-                        <a:latin typeface="Cambria Math" panose="02040503050406030204" pitchFamily="18" charset="0"/>
-                      </a:rPr>
-                      <m:t>+</m:t>
-                    </m:r>
-                    <m:sSub>
-                      <m:sSubPr>
-                        <m:ctrlPr>
-                          <a:rPr lang="en-US" sz="2800" i="1">
-                            <a:solidFill>
-                              <a:srgbClr val="7030A0"/>
-                            </a:solidFill>
-                            <a:latin typeface="Cambria Math" panose="02040503050406030204" pitchFamily="18" charset="0"/>
-                          </a:rPr>
-                        </m:ctrlPr>
-                      </m:sSubPr>
-                      <m:e>
-                        <m:r>
-                          <a:rPr lang="en-US" sz="2800" i="1">
-                            <a:solidFill>
-                              <a:srgbClr val="7030A0"/>
-                            </a:solidFill>
-                            <a:latin typeface="Cambria Math" panose="02040503050406030204" pitchFamily="18" charset="0"/>
-                          </a:rPr>
-                          <m:t>𝑏</m:t>
-                        </m:r>
-                      </m:e>
-                      <m:sub>
-                        <m:r>
-                          <a:rPr lang="en-US" sz="2800" i="1">
-                            <a:solidFill>
-                              <a:srgbClr val="7030A0"/>
-                            </a:solidFill>
-                            <a:latin typeface="Cambria Math" panose="02040503050406030204" pitchFamily="18" charset="0"/>
-                          </a:rPr>
-                          <m:t>1</m:t>
-                        </m:r>
-                      </m:sub>
-                    </m:sSub>
-                    <m:sSub>
-                      <m:sSubPr>
-                        <m:ctrlPr>
-                          <a:rPr lang="en-US" sz="2800" i="1">
-                            <a:solidFill>
-                              <a:srgbClr val="7030A0"/>
-                            </a:solidFill>
-                            <a:latin typeface="Cambria Math" panose="02040503050406030204" pitchFamily="18" charset="0"/>
-                          </a:rPr>
-                        </m:ctrlPr>
-                      </m:sSubPr>
-                      <m:e>
-                        <m:r>
-                          <a:rPr lang="en-US" sz="2800" i="1">
-                            <a:solidFill>
-                              <a:srgbClr val="7030A0"/>
-                            </a:solidFill>
-                            <a:latin typeface="Cambria Math" panose="02040503050406030204" pitchFamily="18" charset="0"/>
-                          </a:rPr>
-                          <m:t>𝑥</m:t>
-                        </m:r>
-                      </m:e>
-                      <m:sub>
-                        <m:r>
-                          <a:rPr lang="en-US" sz="2800" i="1">
-                            <a:solidFill>
-                              <a:srgbClr val="7030A0"/>
-                            </a:solidFill>
-                            <a:latin typeface="Cambria Math" panose="02040503050406030204" pitchFamily="18" charset="0"/>
-                          </a:rPr>
-                          <m:t>𝑖</m:t>
-                        </m:r>
-                        <m:r>
-                          <a:rPr lang="en-US" sz="2800" i="1">
-                            <a:solidFill>
-                              <a:srgbClr val="7030A0"/>
-                            </a:solidFill>
-                            <a:latin typeface="Cambria Math" panose="02040503050406030204" pitchFamily="18" charset="0"/>
-                          </a:rPr>
-                          <m:t>1</m:t>
-                        </m:r>
-                      </m:sub>
-                    </m:sSub>
-                    <m:r>
-                      <a:rPr lang="en-US" sz="2800" i="1">
-                        <a:solidFill>
-                          <a:srgbClr val="7030A0"/>
-                        </a:solidFill>
-                        <a:latin typeface="Cambria Math" panose="02040503050406030204" pitchFamily="18" charset="0"/>
-                      </a:rPr>
-                      <m:t>+…</m:t>
-                    </m:r>
-                  </m:oMath>
-                </a14:m>
-                <a:endParaRPr lang="en-US" sz="2800" b="1" i="1" dirty="0">
-                  <a:solidFill>
-                    <a:srgbClr val="7030A0"/>
-                  </a:solidFill>
-                  <a:latin typeface="Cambria Math" panose="02040503050406030204" pitchFamily="18" charset="0"/>
-                </a:endParaRPr>
-              </a:p>
-              <a:p>
-                <a:pPr algn="ctr"/>
-                <a:endParaRPr lang="en-KW" sz="2800" b="1" dirty="0">
-                  <a:solidFill>
-                    <a:srgbClr val="7030A0"/>
-                  </a:solidFill>
-                </a:endParaRPr>
-              </a:p>
-            </p:txBody>
-          </p:sp>
-        </mc:Choice>
-        <mc:Fallback>
-          <p:sp>
-            <p:nvSpPr>
-              <p:cNvPr id="6" name="TextBox 5">
-                <a:extLst>
-                  <a:ext uri="{FF2B5EF4-FFF2-40B4-BE49-F238E27FC236}">
-                    <a16:creationId xmlns:a16="http://schemas.microsoft.com/office/drawing/2014/main" id="{DA9B563E-FBA8-83A4-A5BD-00C6BEA9C887}"/>
-                  </a:ext>
-                </a:extLst>
-              </p:cNvPr>
-              <p:cNvSpPr txBox="1">
-                <a:spLocks noRot="1" noChangeAspect="1" noMove="1" noResize="1" noEditPoints="1" noAdjustHandles="1" noChangeArrowheads="1" noChangeShapeType="1" noTextEdit="1"/>
-              </p:cNvSpPr>
-              <p:nvPr/>
-            </p:nvSpPr>
-            <p:spPr>
-              <a:xfrm>
-                <a:off x="838201" y="1853244"/>
-                <a:ext cx="10515600" cy="954107"/>
-              </a:xfrm>
-              <a:prstGeom prst="rect">
-                <a:avLst/>
-              </a:prstGeom>
-              <a:blipFill>
-                <a:blip r:embed="rId2"/>
-                <a:stretch>
-                  <a:fillRect l="-362"/>
-                </a:stretch>
-              </a:blipFill>
-            </p:spPr>
-            <p:txBody>
-              <a:bodyPr/>
-              <a:lstStyle/>
-              <a:p>
-                <a:r>
-                  <a:rPr lang="en-KW">
-                    <a:noFill/>
-                  </a:rPr>
-                  <a:t> </a:t>
-                </a:r>
-              </a:p>
-            </p:txBody>
-          </p:sp>
-        </mc:Fallback>
-      </mc:AlternateContent>
-      <mc:AlternateContent xmlns:mc="http://schemas.openxmlformats.org/markup-compatibility/2006">
-        <mc:Choice xmlns:a14="http://schemas.microsoft.com/office/drawing/2010/main" Requires="a14">
-          <p:sp>
-            <p:nvSpPr>
-              <p:cNvPr id="35" name="TextBox 34">
-                <a:extLst>
-                  <a:ext uri="{FF2B5EF4-FFF2-40B4-BE49-F238E27FC236}">
-                    <a16:creationId xmlns:a16="http://schemas.microsoft.com/office/drawing/2014/main" id="{FE6ADA48-1C80-F987-3ACE-56540353BBE2}"/>
-                  </a:ext>
-                </a:extLst>
-              </p:cNvPr>
-              <p:cNvSpPr txBox="1"/>
-              <p:nvPr/>
-            </p:nvSpPr>
-            <p:spPr>
-              <a:xfrm>
-                <a:off x="4123265" y="3125044"/>
-                <a:ext cx="4851402" cy="1851212"/>
-              </a:xfrm>
-              <a:prstGeom prst="rect">
-                <a:avLst/>
-              </a:prstGeom>
-              <a:noFill/>
-            </p:spPr>
-            <p:txBody>
-              <a:bodyPr wrap="square">
-                <a:spAutoFit/>
-              </a:bodyPr>
-              <a:lstStyle/>
-              <a:p>
-                <a:pPr/>
-                <a14:m>
-                  <m:oMathPara xmlns:m="http://schemas.openxmlformats.org/officeDocument/2006/math">
-                    <m:oMathParaPr>
-                      <m:jc m:val="left"/>
-                    </m:oMathParaPr>
-                    <m:oMath xmlns:m="http://schemas.openxmlformats.org/officeDocument/2006/math">
-                      <m:f>
-                        <m:fPr>
-                          <m:ctrlPr>
-                            <a:rPr lang="en-US" sz="2800" b="1" i="1" smtClean="0">
-                              <a:solidFill>
-                                <a:srgbClr val="7030A0"/>
-                              </a:solidFill>
-                              <a:latin typeface="Cambria Math" panose="02040503050406030204" pitchFamily="18" charset="0"/>
-                            </a:rPr>
-                          </m:ctrlPr>
-                        </m:fPr>
-                        <m:num>
-                          <m:r>
-                            <a:rPr lang="en-US" sz="2800" b="0" i="1">
-                              <a:solidFill>
-                                <a:srgbClr val="7030A0"/>
-                              </a:solidFill>
-                              <a:latin typeface="Cambria Math" panose="02040503050406030204" pitchFamily="18" charset="0"/>
-                            </a:rPr>
-                            <m:t>𝜕</m:t>
-                          </m:r>
-                          <m:sSub>
-                            <m:sSubPr>
-                              <m:ctrlPr>
-                                <a:rPr lang="en-US" sz="2800" b="0" i="1" smtClean="0">
-                                  <a:solidFill>
-                                    <a:srgbClr val="7030A0"/>
-                                  </a:solidFill>
-                                  <a:latin typeface="Cambria Math" panose="02040503050406030204" pitchFamily="18" charset="0"/>
-                                </a:rPr>
-                              </m:ctrlPr>
-                            </m:sSubPr>
-                            <m:e>
-                              <m:r>
-                                <a:rPr lang="en-US" sz="2800" b="0" i="1">
-                                  <a:solidFill>
-                                    <a:srgbClr val="7030A0"/>
-                                  </a:solidFill>
-                                  <a:latin typeface="Cambria Math" panose="02040503050406030204" pitchFamily="18" charset="0"/>
-                                </a:rPr>
-                                <m:t>ℒ</m:t>
-                              </m:r>
-                            </m:e>
-                            <m:sub>
-                              <m:r>
-                                <a:rPr lang="en-US" sz="2800" b="0" i="1" smtClean="0">
-                                  <a:solidFill>
-                                    <a:srgbClr val="7030A0"/>
-                                  </a:solidFill>
-                                  <a:latin typeface="Cambria Math" panose="02040503050406030204" pitchFamily="18" charset="0"/>
-                                </a:rPr>
-                                <m:t>𝑖</m:t>
-                              </m:r>
-                            </m:sub>
-                          </m:sSub>
-                        </m:num>
-                        <m:den>
-                          <m:r>
-                            <a:rPr lang="en-US" sz="2800" b="0" i="1" smtClean="0">
-                              <a:solidFill>
-                                <a:srgbClr val="7030A0"/>
-                              </a:solidFill>
-                              <a:latin typeface="Cambria Math" panose="02040503050406030204" pitchFamily="18" charset="0"/>
-                            </a:rPr>
-                            <m:t>𝜕</m:t>
-                          </m:r>
-                          <m:sSub>
-                            <m:sSubPr>
-                              <m:ctrlPr>
-                                <a:rPr lang="en-US" sz="2800" i="1" smtClean="0">
-                                  <a:solidFill>
-                                    <a:srgbClr val="7030A0"/>
-                                  </a:solidFill>
-                                  <a:latin typeface="Cambria Math" panose="02040503050406030204" pitchFamily="18" charset="0"/>
-                                </a:rPr>
-                              </m:ctrlPr>
-                            </m:sSubPr>
-                            <m:e>
-                              <m:r>
-                                <a:rPr lang="en-US" sz="2800" b="0" i="1" smtClean="0">
-                                  <a:solidFill>
-                                    <a:srgbClr val="7030A0"/>
-                                  </a:solidFill>
-                                  <a:latin typeface="Cambria Math" panose="02040503050406030204" pitchFamily="18" charset="0"/>
-                                </a:rPr>
-                                <m:t>𝑏</m:t>
-                              </m:r>
-                            </m:e>
-                            <m:sub>
-                              <m:r>
-                                <a:rPr lang="en-US" sz="2800" b="0" i="1" smtClean="0">
-                                  <a:solidFill>
-                                    <a:srgbClr val="7030A0"/>
-                                  </a:solidFill>
-                                  <a:latin typeface="Cambria Math" panose="02040503050406030204" pitchFamily="18" charset="0"/>
-                                </a:rPr>
-                                <m:t>𝑘</m:t>
-                              </m:r>
-                            </m:sub>
-                          </m:sSub>
-                        </m:den>
-                      </m:f>
-                      <m:r>
-                        <a:rPr lang="en-US" sz="2800" b="1" i="1" smtClean="0">
-                          <a:solidFill>
-                            <a:srgbClr val="7030A0"/>
-                          </a:solidFill>
-                          <a:latin typeface="Cambria Math" panose="02040503050406030204" pitchFamily="18" charset="0"/>
-                        </a:rPr>
-                        <m:t>=</m:t>
-                      </m:r>
-                      <m:f>
-                        <m:fPr>
-                          <m:ctrlPr>
-                            <a:rPr lang="en-US" sz="2800" b="1" i="1" smtClean="0">
-                              <a:solidFill>
-                                <a:srgbClr val="0070C0"/>
-                              </a:solidFill>
-                              <a:latin typeface="Cambria Math" panose="02040503050406030204" pitchFamily="18" charset="0"/>
-                            </a:rPr>
-                          </m:ctrlPr>
-                        </m:fPr>
-                        <m:num>
-                          <m:r>
-                            <a:rPr lang="en-US" sz="2800" b="0" i="1">
-                              <a:solidFill>
-                                <a:srgbClr val="0070C0"/>
-                              </a:solidFill>
-                              <a:latin typeface="Cambria Math" panose="02040503050406030204" pitchFamily="18" charset="0"/>
-                            </a:rPr>
-                            <m:t>𝜕</m:t>
-                          </m:r>
-                          <m:sSub>
-                            <m:sSubPr>
-                              <m:ctrlPr>
-                                <a:rPr lang="en-US" sz="2800" i="1">
-                                  <a:solidFill>
-                                    <a:srgbClr val="0070C0"/>
-                                  </a:solidFill>
-                                  <a:latin typeface="Cambria Math" panose="02040503050406030204" pitchFamily="18" charset="0"/>
-                                </a:rPr>
-                              </m:ctrlPr>
-                            </m:sSubPr>
-                            <m:e>
-                              <m:r>
-                                <a:rPr lang="en-US" sz="2800" i="1">
-                                  <a:solidFill>
-                                    <a:srgbClr val="0070C0"/>
-                                  </a:solidFill>
-                                  <a:latin typeface="Cambria Math" panose="02040503050406030204" pitchFamily="18" charset="0"/>
-                                </a:rPr>
-                                <m:t>ℒ</m:t>
-                              </m:r>
-                            </m:e>
-                            <m:sub>
-                              <m:r>
-                                <a:rPr lang="en-US" sz="2800" i="1">
-                                  <a:solidFill>
-                                    <a:srgbClr val="0070C0"/>
-                                  </a:solidFill>
-                                  <a:latin typeface="Cambria Math" panose="02040503050406030204" pitchFamily="18" charset="0"/>
-                                </a:rPr>
-                                <m:t>𝑖</m:t>
-                              </m:r>
-                            </m:sub>
-                          </m:sSub>
-                        </m:num>
-                        <m:den>
-                          <m:r>
-                            <a:rPr lang="en-US" sz="2800" b="0" i="1" smtClean="0">
-                              <a:solidFill>
-                                <a:srgbClr val="0070C0"/>
-                              </a:solidFill>
-                              <a:latin typeface="Cambria Math" panose="02040503050406030204" pitchFamily="18" charset="0"/>
-                            </a:rPr>
-                            <m:t>𝜕</m:t>
-                          </m:r>
-                          <m:r>
-                            <a:rPr lang="en-US" sz="2800" b="0" i="1" smtClean="0">
-                              <a:solidFill>
-                                <a:srgbClr val="0070C0"/>
-                              </a:solidFill>
-                              <a:latin typeface="Cambria Math" panose="02040503050406030204" pitchFamily="18" charset="0"/>
-                            </a:rPr>
-                            <m:t>𝑓</m:t>
-                          </m:r>
-                          <m:r>
-                            <a:rPr lang="en-US" sz="2800" b="0" i="1" smtClean="0">
-                              <a:solidFill>
-                                <a:srgbClr val="0070C0"/>
-                              </a:solidFill>
-                              <a:latin typeface="Cambria Math" panose="02040503050406030204" pitchFamily="18" charset="0"/>
-                            </a:rPr>
-                            <m:t>(</m:t>
-                          </m:r>
-                          <m:sSub>
-                            <m:sSubPr>
-                              <m:ctrlPr>
-                                <a:rPr lang="en-US" sz="2800" b="0" i="1" smtClean="0">
-                                  <a:solidFill>
-                                    <a:srgbClr val="0070C0"/>
-                                  </a:solidFill>
-                                  <a:latin typeface="Cambria Math" panose="02040503050406030204" pitchFamily="18" charset="0"/>
-                                </a:rPr>
-                              </m:ctrlPr>
-                            </m:sSubPr>
-                            <m:e>
-                              <m:r>
-                                <a:rPr lang="en-US" sz="2800" b="0" i="1" smtClean="0">
-                                  <a:solidFill>
-                                    <a:srgbClr val="0070C0"/>
-                                  </a:solidFill>
-                                  <a:latin typeface="Cambria Math" panose="02040503050406030204" pitchFamily="18" charset="0"/>
-                                </a:rPr>
-                                <m:t>𝑧</m:t>
-                              </m:r>
-                            </m:e>
-                            <m:sub>
-                              <m:r>
-                                <a:rPr lang="en-US" sz="2800" b="0" i="1" smtClean="0">
-                                  <a:solidFill>
-                                    <a:srgbClr val="0070C0"/>
-                                  </a:solidFill>
-                                  <a:latin typeface="Cambria Math" panose="02040503050406030204" pitchFamily="18" charset="0"/>
-                                </a:rPr>
-                                <m:t>𝑖</m:t>
-                              </m:r>
-                            </m:sub>
-                          </m:sSub>
-                          <m:r>
-                            <a:rPr lang="en-US" sz="2800" b="0" i="1" smtClean="0">
-                              <a:solidFill>
-                                <a:srgbClr val="0070C0"/>
-                              </a:solidFill>
-                              <a:latin typeface="Cambria Math" panose="02040503050406030204" pitchFamily="18" charset="0"/>
-                            </a:rPr>
-                            <m:t>)</m:t>
-                          </m:r>
-                        </m:den>
-                      </m:f>
-                      <m:f>
-                        <m:fPr>
-                          <m:ctrlPr>
-                            <a:rPr lang="en-US" sz="2800" b="1" i="1" smtClean="0">
-                              <a:solidFill>
-                                <a:schemeClr val="accent2"/>
-                              </a:solidFill>
-                              <a:latin typeface="Cambria Math" panose="02040503050406030204" pitchFamily="18" charset="0"/>
-                            </a:rPr>
-                          </m:ctrlPr>
-                        </m:fPr>
-                        <m:num>
-                          <m:r>
-                            <a:rPr lang="en-US" sz="2800" b="0" i="1" smtClean="0">
-                              <a:solidFill>
-                                <a:schemeClr val="accent2"/>
-                              </a:solidFill>
-                              <a:latin typeface="Cambria Math" panose="02040503050406030204" pitchFamily="18" charset="0"/>
-                            </a:rPr>
-                            <m:t>𝜕</m:t>
-                          </m:r>
-                          <m:r>
-                            <a:rPr lang="en-US" sz="2800" b="0" i="1" smtClean="0">
-                              <a:solidFill>
-                                <a:schemeClr val="accent2"/>
-                              </a:solidFill>
-                              <a:latin typeface="Cambria Math" panose="02040503050406030204" pitchFamily="18" charset="0"/>
-                            </a:rPr>
-                            <m:t>𝑓</m:t>
-                          </m:r>
-                          <m:r>
-                            <a:rPr lang="en-US" sz="2800" b="0" i="1" smtClean="0">
-                              <a:solidFill>
-                                <a:schemeClr val="accent2"/>
-                              </a:solidFill>
-                              <a:latin typeface="Cambria Math" panose="02040503050406030204" pitchFamily="18" charset="0"/>
-                            </a:rPr>
-                            <m:t>(</m:t>
-                          </m:r>
-                          <m:sSub>
-                            <m:sSubPr>
-                              <m:ctrlPr>
-                                <a:rPr lang="en-US" sz="2800" b="0" i="1" smtClean="0">
-                                  <a:solidFill>
-                                    <a:schemeClr val="accent2"/>
-                                  </a:solidFill>
-                                  <a:latin typeface="Cambria Math" panose="02040503050406030204" pitchFamily="18" charset="0"/>
-                                </a:rPr>
-                              </m:ctrlPr>
-                            </m:sSubPr>
-                            <m:e>
-                              <m:r>
-                                <a:rPr lang="en-US" sz="2800" b="0" i="1" smtClean="0">
-                                  <a:solidFill>
-                                    <a:schemeClr val="accent2"/>
-                                  </a:solidFill>
-                                  <a:latin typeface="Cambria Math" panose="02040503050406030204" pitchFamily="18" charset="0"/>
-                                </a:rPr>
-                                <m:t>𝑧</m:t>
-                              </m:r>
-                            </m:e>
-                            <m:sub>
-                              <m:r>
-                                <a:rPr lang="en-US" sz="2800" b="0" i="1" smtClean="0">
-                                  <a:solidFill>
-                                    <a:schemeClr val="accent2"/>
-                                  </a:solidFill>
-                                  <a:latin typeface="Cambria Math" panose="02040503050406030204" pitchFamily="18" charset="0"/>
-                                </a:rPr>
-                                <m:t>𝑖</m:t>
-                              </m:r>
-                            </m:sub>
-                          </m:sSub>
-                          <m:r>
-                            <a:rPr lang="en-US" sz="2800" b="0" i="1" smtClean="0">
-                              <a:solidFill>
-                                <a:schemeClr val="accent2"/>
-                              </a:solidFill>
-                              <a:latin typeface="Cambria Math" panose="02040503050406030204" pitchFamily="18" charset="0"/>
-                            </a:rPr>
-                            <m:t>)</m:t>
-                          </m:r>
-                        </m:num>
-                        <m:den>
-                          <m:r>
-                            <a:rPr lang="en-US" sz="2800" b="0" i="1" smtClean="0">
-                              <a:solidFill>
-                                <a:schemeClr val="accent2"/>
-                              </a:solidFill>
-                              <a:latin typeface="Cambria Math" panose="02040503050406030204" pitchFamily="18" charset="0"/>
-                            </a:rPr>
-                            <m:t>𝜕</m:t>
-                          </m:r>
-                          <m:sSub>
-                            <m:sSubPr>
-                              <m:ctrlPr>
-                                <a:rPr lang="en-US" sz="2800" i="1" smtClean="0">
-                                  <a:solidFill>
-                                    <a:schemeClr val="accent2"/>
-                                  </a:solidFill>
-                                  <a:latin typeface="Cambria Math" panose="02040503050406030204" pitchFamily="18" charset="0"/>
-                                </a:rPr>
-                              </m:ctrlPr>
-                            </m:sSubPr>
-                            <m:e>
-                              <m:r>
-                                <a:rPr lang="en-US" sz="2800" b="0" i="1" smtClean="0">
-                                  <a:solidFill>
-                                    <a:schemeClr val="accent2"/>
-                                  </a:solidFill>
-                                  <a:latin typeface="Cambria Math" panose="02040503050406030204" pitchFamily="18" charset="0"/>
-                                </a:rPr>
-                                <m:t>𝑏</m:t>
-                              </m:r>
-                            </m:e>
-                            <m:sub>
-                              <m:r>
-                                <a:rPr lang="en-US" sz="2800" b="0" i="1" smtClean="0">
-                                  <a:solidFill>
-                                    <a:schemeClr val="accent2"/>
-                                  </a:solidFill>
-                                  <a:latin typeface="Cambria Math" panose="02040503050406030204" pitchFamily="18" charset="0"/>
-                                </a:rPr>
-                                <m:t>𝑘</m:t>
-                              </m:r>
-                            </m:sub>
-                          </m:sSub>
-                        </m:den>
-                      </m:f>
-                    </m:oMath>
-                  </m:oMathPara>
-                </a14:m>
-                <a:endParaRPr lang="en-KW" sz="2800" dirty="0"/>
-              </a:p>
-              <a:p>
-                <a:pPr/>
-                <a:endParaRPr lang="en-KW" sz="2800" dirty="0"/>
-              </a:p>
-              <a:p>
-                <a:pPr/>
-                <a:r>
-                  <a:rPr lang="en-US" sz="2800" dirty="0">
-                    <a:solidFill>
-                      <a:srgbClr val="7030A0"/>
-                    </a:solidFill>
-                  </a:rPr>
-                  <a:t>         </a:t>
-                </a:r>
-                <a14:m>
-                  <m:oMath xmlns:m="http://schemas.openxmlformats.org/officeDocument/2006/math">
-                    <m:r>
-                      <a:rPr lang="en-US" sz="2800" b="0" i="1" smtClean="0">
-                        <a:solidFill>
-                          <a:srgbClr val="7030A0"/>
-                        </a:solidFill>
-                        <a:latin typeface="Cambria Math" panose="02040503050406030204" pitchFamily="18" charset="0"/>
-                      </a:rPr>
-                      <m:t>=</m:t>
-                    </m:r>
-                    <m:r>
-                      <a:rPr lang="en-US" sz="2800" b="0" i="1" smtClean="0">
-                        <a:solidFill>
-                          <a:srgbClr val="0070C0"/>
-                        </a:solidFill>
-                        <a:latin typeface="Cambria Math" panose="02040503050406030204" pitchFamily="18" charset="0"/>
-                      </a:rPr>
-                      <m:t>2</m:t>
-                    </m:r>
-                    <m:d>
-                      <m:dPr>
-                        <m:ctrlPr>
-                          <a:rPr lang="en-US" sz="2800" b="0" i="1">
-                            <a:solidFill>
-                              <a:srgbClr val="0070C0"/>
-                            </a:solidFill>
-                            <a:latin typeface="Cambria Math" panose="02040503050406030204" pitchFamily="18" charset="0"/>
-                          </a:rPr>
-                        </m:ctrlPr>
-                      </m:dPr>
-                      <m:e>
-                        <m:r>
-                          <a:rPr lang="en-US" sz="2800" b="0" i="1">
-                            <a:solidFill>
-                              <a:srgbClr val="0070C0"/>
-                            </a:solidFill>
-                            <a:latin typeface="Cambria Math" panose="02040503050406030204" pitchFamily="18" charset="0"/>
-                          </a:rPr>
-                          <m:t>𝑓</m:t>
-                        </m:r>
-                        <m:d>
-                          <m:dPr>
-                            <m:ctrlPr>
-                              <a:rPr lang="en-US" sz="2800" b="0" i="1">
-                                <a:solidFill>
-                                  <a:srgbClr val="0070C0"/>
-                                </a:solidFill>
-                                <a:latin typeface="Cambria Math" panose="02040503050406030204" pitchFamily="18" charset="0"/>
-                              </a:rPr>
-                            </m:ctrlPr>
-                          </m:dPr>
-                          <m:e>
-                            <m:sSub>
-                              <m:sSubPr>
-                                <m:ctrlPr>
-                                  <a:rPr lang="en-US" sz="2800" b="0" i="1">
-                                    <a:solidFill>
-                                      <a:srgbClr val="0070C0"/>
-                                    </a:solidFill>
-                                    <a:latin typeface="Cambria Math" panose="02040503050406030204" pitchFamily="18" charset="0"/>
-                                  </a:rPr>
-                                </m:ctrlPr>
-                              </m:sSubPr>
-                              <m:e>
-                                <m:r>
-                                  <a:rPr lang="en-US" sz="2800" b="0" i="1">
-                                    <a:solidFill>
-                                      <a:srgbClr val="0070C0"/>
-                                    </a:solidFill>
-                                    <a:latin typeface="Cambria Math" panose="02040503050406030204" pitchFamily="18" charset="0"/>
-                                  </a:rPr>
-                                  <m:t>𝑧</m:t>
-                                </m:r>
-                              </m:e>
-                              <m:sub>
-                                <m:r>
-                                  <a:rPr lang="en-US" sz="2800" b="0" i="1">
-                                    <a:solidFill>
-                                      <a:srgbClr val="0070C0"/>
-                                    </a:solidFill>
-                                    <a:latin typeface="Cambria Math" panose="02040503050406030204" pitchFamily="18" charset="0"/>
-                                  </a:rPr>
-                                  <m:t>𝑖</m:t>
-                                </m:r>
-                              </m:sub>
-                            </m:sSub>
-                          </m:e>
-                        </m:d>
-                        <m:r>
-                          <a:rPr lang="en-US" sz="2800" b="0" i="1">
-                            <a:solidFill>
-                              <a:srgbClr val="0070C0"/>
-                            </a:solidFill>
-                            <a:latin typeface="Cambria Math" panose="02040503050406030204" pitchFamily="18" charset="0"/>
-                          </a:rPr>
-                          <m:t>−</m:t>
-                        </m:r>
-                        <m:sSub>
-                          <m:sSubPr>
-                            <m:ctrlPr>
-                              <a:rPr lang="en-US" sz="2800" b="0" i="1">
-                                <a:solidFill>
-                                  <a:srgbClr val="0070C0"/>
-                                </a:solidFill>
-                                <a:latin typeface="Cambria Math" panose="02040503050406030204" pitchFamily="18" charset="0"/>
-                              </a:rPr>
-                            </m:ctrlPr>
-                          </m:sSubPr>
-                          <m:e>
-                            <m:r>
-                              <a:rPr lang="en-US" sz="2800" b="0" i="1">
-                                <a:solidFill>
-                                  <a:srgbClr val="0070C0"/>
-                                </a:solidFill>
-                                <a:latin typeface="Cambria Math" panose="02040503050406030204" pitchFamily="18" charset="0"/>
-                              </a:rPr>
-                              <m:t>𝑦</m:t>
-                            </m:r>
-                          </m:e>
-                          <m:sub>
-                            <m:r>
-                              <a:rPr lang="en-US" sz="2800" b="0" i="1">
-                                <a:solidFill>
-                                  <a:srgbClr val="0070C0"/>
-                                </a:solidFill>
-                                <a:latin typeface="Cambria Math" panose="02040503050406030204" pitchFamily="18" charset="0"/>
-                              </a:rPr>
-                              <m:t>𝑖</m:t>
-                            </m:r>
-                          </m:sub>
-                        </m:sSub>
-                      </m:e>
-                    </m:d>
-                    <m:sSub>
-                      <m:sSubPr>
-                        <m:ctrlPr>
-                          <a:rPr lang="en-US" sz="2800" b="0" i="1" smtClean="0">
-                            <a:solidFill>
-                              <a:schemeClr val="accent2"/>
-                            </a:solidFill>
-                            <a:latin typeface="Cambria Math" panose="02040503050406030204" pitchFamily="18" charset="0"/>
-                          </a:rPr>
-                        </m:ctrlPr>
-                      </m:sSubPr>
-                      <m:e>
-                        <m:r>
-                          <a:rPr lang="en-US" sz="2800" b="0" i="1" smtClean="0">
-                            <a:solidFill>
-                              <a:schemeClr val="accent2"/>
-                            </a:solidFill>
-                            <a:latin typeface="Cambria Math" panose="02040503050406030204" pitchFamily="18" charset="0"/>
-                          </a:rPr>
-                          <m:t>𝑥</m:t>
-                        </m:r>
-                      </m:e>
-                      <m:sub>
-                        <m:r>
-                          <a:rPr lang="en-US" sz="2800" b="0" i="1" smtClean="0">
-                            <a:solidFill>
-                              <a:schemeClr val="accent2"/>
-                            </a:solidFill>
-                            <a:latin typeface="Cambria Math" panose="02040503050406030204" pitchFamily="18" charset="0"/>
-                          </a:rPr>
-                          <m:t>𝑖</m:t>
-                        </m:r>
-                        <m:r>
-                          <a:rPr lang="en-US" sz="2800" b="0" i="1">
-                            <a:solidFill>
-                              <a:schemeClr val="accent2"/>
-                            </a:solidFill>
-                            <a:latin typeface="Cambria Math" panose="02040503050406030204" pitchFamily="18" charset="0"/>
-                          </a:rPr>
-                          <m:t>𝑘</m:t>
-                        </m:r>
-                      </m:sub>
-                    </m:sSub>
-                    <m:r>
-                      <a:rPr lang="en-US" sz="2800" b="0" i="1" smtClean="0">
-                        <a:solidFill>
-                          <a:schemeClr val="accent2"/>
-                        </a:solidFill>
-                        <a:latin typeface="Cambria Math" panose="02040503050406030204" pitchFamily="18" charset="0"/>
-                      </a:rPr>
-                      <m:t>𝑓</m:t>
-                    </m:r>
-                    <m:r>
-                      <a:rPr lang="en-US" sz="2800" b="0" i="1" smtClean="0">
-                        <a:solidFill>
-                          <a:schemeClr val="accent2"/>
-                        </a:solidFill>
-                        <a:latin typeface="Cambria Math" panose="02040503050406030204" pitchFamily="18" charset="0"/>
-                      </a:rPr>
-                      <m:t>(</m:t>
-                    </m:r>
-                    <m:sSub>
-                      <m:sSubPr>
-                        <m:ctrlPr>
-                          <a:rPr lang="en-US" sz="2800" b="0" i="1" smtClean="0">
-                            <a:solidFill>
-                              <a:schemeClr val="accent2"/>
-                            </a:solidFill>
-                            <a:latin typeface="Cambria Math" panose="02040503050406030204" pitchFamily="18" charset="0"/>
-                          </a:rPr>
-                        </m:ctrlPr>
-                      </m:sSubPr>
-                      <m:e>
-                        <m:r>
-                          <a:rPr lang="en-US" sz="2800" b="0" i="1" smtClean="0">
-                            <a:solidFill>
-                              <a:schemeClr val="accent2"/>
-                            </a:solidFill>
-                            <a:latin typeface="Cambria Math" panose="02040503050406030204" pitchFamily="18" charset="0"/>
-                          </a:rPr>
-                          <m:t>𝑧</m:t>
-                        </m:r>
-                      </m:e>
-                      <m:sub>
-                        <m:r>
-                          <a:rPr lang="en-US" sz="2800" b="0" i="1" smtClean="0">
-                            <a:solidFill>
-                              <a:schemeClr val="accent2"/>
-                            </a:solidFill>
-                            <a:latin typeface="Cambria Math" panose="02040503050406030204" pitchFamily="18" charset="0"/>
-                          </a:rPr>
-                          <m:t>𝑖</m:t>
-                        </m:r>
-                      </m:sub>
-                    </m:sSub>
-                    <m:r>
-                      <a:rPr lang="en-US" sz="2800" b="0" i="1" smtClean="0">
-                        <a:solidFill>
-                          <a:schemeClr val="accent2"/>
-                        </a:solidFill>
-                        <a:latin typeface="Cambria Math" panose="02040503050406030204" pitchFamily="18" charset="0"/>
-                      </a:rPr>
-                      <m:t>)</m:t>
-                    </m:r>
-                  </m:oMath>
-                </a14:m>
-                <a:endParaRPr lang="en-KW" sz="2800" dirty="0"/>
-              </a:p>
-            </p:txBody>
-          </p:sp>
-        </mc:Choice>
-        <mc:Fallback>
-          <p:sp>
-            <p:nvSpPr>
-              <p:cNvPr id="35" name="TextBox 34">
-                <a:extLst>
-                  <a:ext uri="{FF2B5EF4-FFF2-40B4-BE49-F238E27FC236}">
-                    <a16:creationId xmlns:a16="http://schemas.microsoft.com/office/drawing/2014/main" id="{FE6ADA48-1C80-F987-3ACE-56540353BBE2}"/>
-                  </a:ext>
-                </a:extLst>
-              </p:cNvPr>
-              <p:cNvSpPr txBox="1">
-                <a:spLocks noRot="1" noChangeAspect="1" noMove="1" noResize="1" noEditPoints="1" noAdjustHandles="1" noChangeArrowheads="1" noChangeShapeType="1" noTextEdit="1"/>
-              </p:cNvSpPr>
-              <p:nvPr/>
-            </p:nvSpPr>
-            <p:spPr>
-              <a:xfrm>
-                <a:off x="4123265" y="3125044"/>
-                <a:ext cx="4851402" cy="1851212"/>
-              </a:xfrm>
-              <a:prstGeom prst="rect">
-                <a:avLst/>
-              </a:prstGeom>
-              <a:blipFill>
-                <a:blip r:embed="rId3"/>
-                <a:stretch>
-                  <a:fillRect l="-522" b="-4795"/>
-                </a:stretch>
-              </a:blipFill>
-            </p:spPr>
-            <p:txBody>
-              <a:bodyPr/>
-              <a:lstStyle/>
-              <a:p>
-                <a:r>
-                  <a:rPr lang="en-KW">
-                    <a:noFill/>
-                  </a:rPr>
-                  <a:t> </a:t>
-                </a:r>
-              </a:p>
-            </p:txBody>
-          </p:sp>
-        </mc:Fallback>
-      </mc:AlternateContent>
+              <a:t>The Problem: Testing on New Data</a:t>
+            </a:r>
+          </a:p>
+        </p:txBody>
+      </p:sp>
+      <p:pic>
+        <p:nvPicPr>
+          <p:cNvPr id="3" name="Picture 2">
+            <a:extLst>
+              <a:ext uri="{FF2B5EF4-FFF2-40B4-BE49-F238E27FC236}">
+                <a16:creationId xmlns:a16="http://schemas.microsoft.com/office/drawing/2014/main" id="{028048F1-3140-8AB3-A63F-091CA3A2B265}"/>
+              </a:ext>
+            </a:extLst>
+          </p:cNvPr>
+          <p:cNvPicPr>
+            <a:picLocks noChangeAspect="1"/>
+          </p:cNvPicPr>
+          <p:nvPr/>
+        </p:nvPicPr>
+        <p:blipFill>
+          <a:blip r:embed="rId2"/>
+          <a:stretch>
+            <a:fillRect/>
+          </a:stretch>
+        </p:blipFill>
+        <p:spPr>
+          <a:xfrm>
+            <a:off x="838199" y="1690688"/>
+            <a:ext cx="10515599" cy="4331368"/>
+          </a:xfrm>
+          <a:prstGeom prst="rect">
+            <a:avLst/>
+          </a:prstGeom>
+        </p:spPr>
+      </p:pic>
+      <p:sp>
+        <p:nvSpPr>
+          <p:cNvPr id="8" name="TextBox 7">
+            <a:extLst>
+              <a:ext uri="{FF2B5EF4-FFF2-40B4-BE49-F238E27FC236}">
+                <a16:creationId xmlns:a16="http://schemas.microsoft.com/office/drawing/2014/main" id="{C9BFD71A-DFDD-EE56-92F3-A2D5FD4EE8EE}"/>
+              </a:ext>
+            </a:extLst>
+          </p:cNvPr>
+          <p:cNvSpPr txBox="1"/>
+          <p:nvPr/>
+        </p:nvSpPr>
+        <p:spPr>
+          <a:xfrm>
+            <a:off x="484109" y="6022056"/>
+            <a:ext cx="11223778" cy="523220"/>
+          </a:xfrm>
+          <a:prstGeom prst="rect">
+            <a:avLst/>
+          </a:prstGeom>
+          <a:solidFill>
+            <a:srgbClr val="FFC000"/>
+          </a:solidFill>
+        </p:spPr>
+        <p:txBody>
+          <a:bodyPr wrap="none" rtlCol="0">
+            <a:spAutoFit/>
+          </a:bodyPr>
+          <a:lstStyle/>
+          <a:p>
+            <a:r>
+              <a:rPr lang="en-KW" sz="2800" b="1" dirty="0">
+                <a:solidFill>
+                  <a:srgbClr val="7030A0"/>
+                </a:solidFill>
+              </a:rPr>
+              <a:t>Evaluation MUST be done on data the model has not been trained on</a:t>
+            </a:r>
+          </a:p>
+        </p:txBody>
+      </p:sp>
     </p:spTree>
     <p:extLst>
       <p:ext uri="{BB962C8B-B14F-4D97-AF65-F5344CB8AC3E}">
-        <p14:creationId xmlns:p14="http://schemas.microsoft.com/office/powerpoint/2010/main" val="2589372605"/>
+        <p14:creationId xmlns:p14="http://schemas.microsoft.com/office/powerpoint/2010/main" val="2880532429"/>
       </p:ext>
     </p:extLst>
   </p:cSld>
   <p:clrMapOvr>
     <a:masterClrMapping/>
   </p:clrMapOvr>
+  <p:timing>
+    <p:tnLst>
+      <p:par>
+        <p:cTn id="1" dur="indefinite" restart="never" nodeType="tmRoot">
+          <p:childTnLst>
+            <p:seq concurrent="1" nextAc="seek">
+              <p:cTn id="2" dur="indefinite" nodeType="mainSeq">
+                <p:childTnLst>
+                  <p:par>
+                    <p:cTn id="3" fill="hold">
+                      <p:stCondLst>
+                        <p:cond delay="indefinite"/>
+                      </p:stCondLst>
+                      <p:childTnLst>
+                        <p:par>
+                          <p:cTn id="4" fill="hold">
+                            <p:stCondLst>
+                              <p:cond delay="0"/>
+                            </p:stCondLst>
+                            <p:childTnLst>
+                              <p:par>
+                                <p:cTn id="5" presetID="1" presetClass="entr" presetSubtype="0" fill="hold" grpId="0" nodeType="clickEffect">
+                                  <p:stCondLst>
+                                    <p:cond delay="0"/>
+                                  </p:stCondLst>
+                                  <p:childTnLst>
+                                    <p:set>
+                                      <p:cBhvr>
+                                        <p:cTn id="6" dur="1" fill="hold">
+                                          <p:stCondLst>
+                                            <p:cond delay="0"/>
+                                          </p:stCondLst>
+                                        </p:cTn>
+                                        <p:tgtEl>
+                                          <p:spTgt spid="8"/>
+                                        </p:tgtEl>
+                                        <p:attrNameLst>
+                                          <p:attrName>style.visibility</p:attrName>
+                                        </p:attrNameLst>
+                                      </p:cBhvr>
+                                      <p:to>
+                                        <p:strVal val="visible"/>
+                                      </p:to>
+                                    </p:set>
+                                  </p:childTnLst>
+                                </p:cTn>
+                              </p:par>
+                            </p:childTnLst>
+                          </p:cTn>
+                        </p:par>
+                      </p:childTnLst>
+                    </p:cTn>
+                  </p:par>
+                </p:childTnLst>
+              </p:cTn>
+              <p:prevCondLst>
+                <p:cond evt="onPrev" delay="0">
+                  <p:tgtEl>
+                    <p:sldTgt/>
+                  </p:tgtEl>
+                </p:cond>
+              </p:prevCondLst>
+              <p:nextCondLst>
+                <p:cond evt="onNext" delay="0">
+                  <p:tgtEl>
+                    <p:sldTgt/>
+                  </p:tgtEl>
+                </p:cond>
+              </p:nextCondLst>
+            </p:seq>
+          </p:childTnLst>
+        </p:cTn>
+      </p:par>
+    </p:tnLst>
+    <p:bldLst>
+      <p:bldP spid="8" grpId="0" animBg="1"/>
+    </p:bldLst>
+  </p:timing>
 </p:sld>
 </file>
 
@@ -5455,7 +4524,7 @@
           <p:cNvPr id="2" name="Title 1">
             <a:extLst>
               <a:ext uri="{FF2B5EF4-FFF2-40B4-BE49-F238E27FC236}">
-                <a16:creationId xmlns:a16="http://schemas.microsoft.com/office/drawing/2014/main" id="{68DDD63D-6491-CFF4-5AFC-92688C491E49}"/>
+                <a16:creationId xmlns:a16="http://schemas.microsoft.com/office/drawing/2014/main" id="{C911F27D-8077-42A9-80B0-7559A9018BFB}"/>
               </a:ext>
             </a:extLst>
           </p:cNvPr>
@@ -5471,1033 +4540,182 @@
           <a:bodyPr/>
           <a:lstStyle/>
           <a:p>
-            <a:pPr algn="l" defTabSz="914400" rtl="0" eaLnBrk="1" latinLnBrk="0" hangingPunct="1">
-              <a:lnSpc>
-                <a:spcPct val="90000"/>
-              </a:lnSpc>
-              <a:spcBef>
-                <a:spcPct val="0"/>
-              </a:spcBef>
+            <a:r>
+              <a:rPr lang="en-KW" dirty="0"/>
+              <a:t>Generalization to New Data</a:t>
+            </a:r>
+          </a:p>
+        </p:txBody>
+      </p:sp>
+      <p:sp>
+        <p:nvSpPr>
+          <p:cNvPr id="3" name="Content Placeholder 2">
+            <a:extLst>
+              <a:ext uri="{FF2B5EF4-FFF2-40B4-BE49-F238E27FC236}">
+                <a16:creationId xmlns:a16="http://schemas.microsoft.com/office/drawing/2014/main" id="{06195D8A-7EDE-387F-E5A4-7CCFAA990A0C}"/>
+              </a:ext>
+            </a:extLst>
+          </p:cNvPr>
+          <p:cNvSpPr>
+            <a:spLocks noGrp="1"/>
+          </p:cNvSpPr>
+          <p:nvPr>
+            <p:ph idx="1"/>
+          </p:nvPr>
+        </p:nvSpPr>
+        <p:spPr>
+          <a:xfrm>
+            <a:off x="838200" y="1825625"/>
+            <a:ext cx="5531069" cy="4351338"/>
+          </a:xfrm>
+        </p:spPr>
+        <p:txBody>
+          <a:bodyPr>
+            <a:normAutofit fontScale="92500" lnSpcReduction="10000"/>
+          </a:bodyPr>
+          <a:lstStyle/>
+          <a:p>
+            <a:pPr marL="0" indent="0">
               <a:buNone/>
             </a:pPr>
             <a:r>
-              <a:rPr lang="en-US" dirty="0"/>
-              <a:t>Gradient Calculation</a:t>
-            </a:r>
+              <a:rPr lang="en-KW" dirty="0">
+                <a:solidFill>
+                  <a:srgbClr val="00B0F0"/>
+                </a:solidFill>
+              </a:rPr>
+              <a:t>One solution: </a:t>
+            </a:r>
+            <a:r>
+              <a:rPr lang="en-KW" dirty="0"/>
+              <a:t>random training/testing split</a:t>
+            </a:r>
+          </a:p>
+          <a:p>
+            <a:pPr marL="914400" lvl="1" indent="-457200">
+              <a:buFont typeface="+mj-lt"/>
+              <a:buAutoNum type="arabicPeriod"/>
+            </a:pPr>
+            <a:r>
+              <a:rPr lang="en-KW" dirty="0"/>
+              <a:t>Split data randomly into training and testing</a:t>
+            </a:r>
+          </a:p>
+          <a:p>
+            <a:pPr marL="914400" lvl="1" indent="-457200">
+              <a:buFont typeface="+mj-lt"/>
+              <a:buAutoNum type="arabicPeriod"/>
+            </a:pPr>
+            <a:r>
+              <a:rPr lang="en-KW" dirty="0"/>
+              <a:t>Train on training dataset and evaluate MSE on testing</a:t>
+            </a:r>
+          </a:p>
+          <a:p>
+            <a:pPr marL="914400" lvl="1" indent="-457200">
+              <a:buFont typeface="+mj-lt"/>
+              <a:buAutoNum type="arabicPeriod"/>
+            </a:pPr>
+            <a:r>
+              <a:rPr lang="en-KW" dirty="0"/>
+              <a:t>Repeat multiple times and average the MSEs</a:t>
+            </a:r>
+          </a:p>
+          <a:p>
+            <a:pPr marL="0" indent="0">
+              <a:buNone/>
+            </a:pPr>
+            <a:r>
+              <a:rPr lang="en-KW" dirty="0">
+                <a:solidFill>
+                  <a:srgbClr val="00B0F0"/>
+                </a:solidFill>
+              </a:rPr>
+              <a:t>Better: </a:t>
+            </a:r>
+            <a:r>
+              <a:rPr lang="en-KW" dirty="0"/>
+              <a:t>cross-validation (CV)</a:t>
+            </a:r>
+          </a:p>
+          <a:p>
+            <a:pPr marL="971550" lvl="1" indent="-514350">
+              <a:buFont typeface="+mj-lt"/>
+              <a:buAutoNum type="arabicPeriod"/>
+            </a:pPr>
+            <a:r>
+              <a:rPr lang="en-KW" dirty="0"/>
+              <a:t>Shuffle and split into N folds</a:t>
+            </a:r>
+          </a:p>
+          <a:p>
+            <a:pPr marL="971550" lvl="1" indent="-514350">
+              <a:buFont typeface="+mj-lt"/>
+              <a:buAutoNum type="arabicPeriod"/>
+            </a:pPr>
+            <a:r>
+              <a:rPr lang="en-KW" dirty="0"/>
+              <a:t>Train on N-1 folds (green boxes) and test on the blue box</a:t>
+            </a:r>
+          </a:p>
+          <a:p>
+            <a:pPr marL="971550" lvl="1" indent="-514350">
+              <a:buFont typeface="+mj-lt"/>
+              <a:buAutoNum type="arabicPeriod"/>
+            </a:pPr>
+            <a:r>
+              <a:rPr lang="en-KW" dirty="0"/>
+              <a:t>Average MSEs from blue boxes</a:t>
+            </a:r>
+          </a:p>
+          <a:p>
+            <a:pPr marL="0" indent="0">
+              <a:buNone/>
+            </a:pPr>
             <a:endParaRPr lang="en-KW" dirty="0"/>
           </a:p>
-        </p:txBody>
-      </p:sp>
-      <mc:AlternateContent xmlns:mc="http://schemas.openxmlformats.org/markup-compatibility/2006">
-        <mc:Choice xmlns:a14="http://schemas.microsoft.com/office/drawing/2010/main" Requires="a14">
-          <p:sp>
-            <p:nvSpPr>
-              <p:cNvPr id="5" name="Content Placeholder 4">
-                <a:extLst>
-                  <a:ext uri="{FF2B5EF4-FFF2-40B4-BE49-F238E27FC236}">
-                    <a16:creationId xmlns:a16="http://schemas.microsoft.com/office/drawing/2014/main" id="{B75581BD-AE10-AD73-4773-FA8A5C7ED9DB}"/>
-                  </a:ext>
-                </a:extLst>
-              </p:cNvPr>
-              <p:cNvSpPr txBox="1">
-                <a:spLocks noGrp="1"/>
-              </p:cNvSpPr>
-              <p:nvPr>
-                <p:ph idx="1"/>
-              </p:nvPr>
-            </p:nvSpPr>
-            <p:spPr>
-              <a:xfrm>
-                <a:off x="838200" y="1825625"/>
-                <a:ext cx="10515600" cy="3612784"/>
-              </a:xfrm>
-              <a:prstGeom prst="rect">
-                <a:avLst/>
-              </a:prstGeom>
-              <a:noFill/>
-            </p:spPr>
-            <p:txBody>
-              <a:bodyPr wrap="square">
-                <a:spAutoFit/>
-              </a:bodyPr>
-              <a:lstStyle/>
-              <a:p>
-                <a:pPr marL="0" indent="0">
-                  <a:buNone/>
-                </a:pPr>
-                <a:r>
-                  <a:rPr lang="en-US" dirty="0"/>
-                  <a:t>Matrix form:</a:t>
-                </a:r>
-              </a:p>
-              <a:p>
-                <a:pPr marL="0" indent="0">
-                  <a:buNone/>
-                </a:pPr>
-                <a:endParaRPr lang="en-US" i="1" dirty="0">
-                  <a:solidFill>
-                    <a:srgbClr val="7030A0"/>
-                  </a:solidFill>
-                  <a:latin typeface="Cambria Math" panose="02040503050406030204" pitchFamily="18" charset="0"/>
-                </a:endParaRPr>
-              </a:p>
-              <a:p>
-                <a:pPr marL="0" indent="0">
-                  <a:buNone/>
-                </a:pPr>
-                <a14:m>
-                  <m:oMathPara xmlns:m="http://schemas.openxmlformats.org/officeDocument/2006/math">
-                    <m:oMathParaPr>
-                      <m:jc m:val="centerGroup"/>
-                    </m:oMathParaPr>
-                    <m:oMath xmlns:m="http://schemas.openxmlformats.org/officeDocument/2006/math">
-                      <m:sSup>
-                        <m:sSupPr>
-                          <m:ctrlPr>
-                            <a:rPr lang="en-US" sz="2800" b="1" i="1" smtClean="0">
-                              <a:solidFill>
-                                <a:srgbClr val="7030A0"/>
-                              </a:solidFill>
-                              <a:latin typeface="Cambria Math" panose="02040503050406030204" pitchFamily="18" charset="0"/>
-                            </a:rPr>
-                          </m:ctrlPr>
-                        </m:sSupPr>
-                        <m:e>
-                          <m:f>
-                            <m:fPr>
-                              <m:ctrlPr>
-                                <a:rPr lang="en-US" sz="2800" b="1" i="1" smtClean="0">
-                                  <a:solidFill>
-                                    <a:srgbClr val="7030A0"/>
-                                  </a:solidFill>
-                                  <a:latin typeface="Cambria Math" panose="02040503050406030204" pitchFamily="18" charset="0"/>
-                                </a:rPr>
-                              </m:ctrlPr>
-                            </m:fPr>
-                            <m:num>
-                              <m:r>
-                                <a:rPr lang="en-US" sz="2800" b="0" i="1" smtClean="0">
-                                  <a:solidFill>
-                                    <a:srgbClr val="7030A0"/>
-                                  </a:solidFill>
-                                  <a:latin typeface="Cambria Math" panose="02040503050406030204" pitchFamily="18" charset="0"/>
-                                </a:rPr>
-                                <m:t>𝜕</m:t>
-                              </m:r>
-                              <m:r>
-                                <a:rPr lang="en-US" sz="2800" b="0" i="1">
-                                  <a:solidFill>
-                                    <a:srgbClr val="7030A0"/>
-                                  </a:solidFill>
-                                  <a:latin typeface="Cambria Math" panose="02040503050406030204" pitchFamily="18" charset="0"/>
-                                </a:rPr>
-                                <m:t>ℒ</m:t>
-                              </m:r>
-                            </m:num>
-                            <m:den>
-                              <m:r>
-                                <a:rPr lang="en-US" sz="2800" b="0" i="1" smtClean="0">
-                                  <a:solidFill>
-                                    <a:srgbClr val="7030A0"/>
-                                  </a:solidFill>
-                                  <a:latin typeface="Cambria Math" panose="02040503050406030204" pitchFamily="18" charset="0"/>
-                                </a:rPr>
-                                <m:t>𝜕</m:t>
-                              </m:r>
-                              <m:r>
-                                <a:rPr lang="en-US" sz="2800" b="1" i="1" smtClean="0">
-                                  <a:solidFill>
-                                    <a:srgbClr val="7030A0"/>
-                                  </a:solidFill>
-                                  <a:latin typeface="Cambria Math" panose="02040503050406030204" pitchFamily="18" charset="0"/>
-                                </a:rPr>
-                                <m:t>𝒃</m:t>
-                              </m:r>
-                            </m:den>
-                          </m:f>
-                          <m:r>
-                            <a:rPr lang="en-US" sz="2800" b="1" i="0" smtClean="0">
-                              <a:solidFill>
-                                <a:srgbClr val="7030A0"/>
-                              </a:solidFill>
-                              <a:latin typeface="Cambria Math" panose="02040503050406030204" pitchFamily="18" charset="0"/>
-                            </a:rPr>
-                            <m:t>=</m:t>
-                          </m:r>
-                          <m:f>
-                            <m:fPr>
-                              <m:ctrlPr>
-                                <a:rPr lang="en-US" sz="2800" b="1" i="1" smtClean="0">
-                                  <a:solidFill>
-                                    <a:srgbClr val="7030A0"/>
-                                  </a:solidFill>
-                                  <a:latin typeface="Cambria Math" panose="02040503050406030204" pitchFamily="18" charset="0"/>
-                                </a:rPr>
-                              </m:ctrlPr>
-                            </m:fPr>
-                            <m:num>
-                              <m:r>
-                                <a:rPr lang="en-US" sz="2800" b="0" i="1" smtClean="0">
-                                  <a:solidFill>
-                                    <a:srgbClr val="7030A0"/>
-                                  </a:solidFill>
-                                  <a:latin typeface="Cambria Math" panose="02040503050406030204" pitchFamily="18" charset="0"/>
-                                </a:rPr>
-                                <m:t>2</m:t>
-                              </m:r>
-                            </m:num>
-                            <m:den>
-                              <m:r>
-                                <a:rPr lang="en-US" sz="2800" b="0" i="1" smtClean="0">
-                                  <a:solidFill>
-                                    <a:srgbClr val="7030A0"/>
-                                  </a:solidFill>
-                                  <a:latin typeface="Cambria Math" panose="02040503050406030204" pitchFamily="18" charset="0"/>
-                                </a:rPr>
-                                <m:t>𝑁</m:t>
-                              </m:r>
-                            </m:den>
-                          </m:f>
-                          <m:d>
-                            <m:dPr>
-                              <m:begChr m:val="["/>
-                              <m:endChr m:val="]"/>
-                              <m:ctrlPr>
-                                <a:rPr lang="en-KW" sz="2800" i="1" smtClean="0">
-                                  <a:solidFill>
-                                    <a:srgbClr val="7030A0"/>
-                                  </a:solidFill>
-                                  <a:latin typeface="Cambria Math" panose="02040503050406030204" pitchFamily="18" charset="0"/>
-                                </a:rPr>
-                              </m:ctrlPr>
-                            </m:dPr>
-                            <m:e>
-                              <m:m>
-                                <m:mPr>
-                                  <m:mcs>
-                                    <m:mc>
-                                      <m:mcPr>
-                                        <m:count m:val="3"/>
-                                        <m:mcJc m:val="center"/>
-                                      </m:mcPr>
-                                    </m:mc>
-                                  </m:mcs>
-                                  <m:ctrlPr>
-                                    <a:rPr lang="en-KW" sz="2800" i="1" smtClean="0">
-                                      <a:solidFill>
-                                        <a:srgbClr val="7030A0"/>
-                                      </a:solidFill>
-                                      <a:latin typeface="Cambria Math" panose="02040503050406030204" pitchFamily="18" charset="0"/>
-                                    </a:rPr>
-                                  </m:ctrlPr>
-                                </m:mPr>
-                                <m:mr>
-                                  <m:e>
-                                    <m:sSub>
-                                      <m:sSubPr>
-                                        <m:ctrlPr>
-                                          <a:rPr lang="en-US" sz="2800" b="0" i="1">
-                                            <a:solidFill>
-                                              <a:srgbClr val="7030A0"/>
-                                            </a:solidFill>
-                                            <a:latin typeface="Cambria Math" panose="02040503050406030204" pitchFamily="18" charset="0"/>
-                                          </a:rPr>
-                                        </m:ctrlPr>
-                                      </m:sSubPr>
-                                      <m:e>
-                                        <m:r>
-                                          <a:rPr lang="en-US" sz="2800" b="0" i="1" smtClean="0">
-                                            <a:solidFill>
-                                              <a:srgbClr val="7030A0"/>
-                                            </a:solidFill>
-                                            <a:latin typeface="Cambria Math" panose="02040503050406030204" pitchFamily="18" charset="0"/>
-                                          </a:rPr>
-                                          <m:t>𝑥</m:t>
-                                        </m:r>
-                                      </m:e>
-                                      <m:sub>
-                                        <m:r>
-                                          <a:rPr lang="en-US" sz="2800" b="0" i="1" smtClean="0">
-                                            <a:solidFill>
-                                              <a:srgbClr val="7030A0"/>
-                                            </a:solidFill>
-                                            <a:latin typeface="Cambria Math" panose="02040503050406030204" pitchFamily="18" charset="0"/>
-                                          </a:rPr>
-                                          <m:t>1</m:t>
-                                        </m:r>
-                                        <m:r>
-                                          <a:rPr lang="en-US" sz="2800" b="0" i="1" smtClean="0">
-                                            <a:solidFill>
-                                              <a:srgbClr val="7030A0"/>
-                                            </a:solidFill>
-                                            <a:latin typeface="Cambria Math" panose="02040503050406030204" pitchFamily="18" charset="0"/>
-                                          </a:rPr>
-                                          <m:t>1</m:t>
-                                        </m:r>
-                                      </m:sub>
-                                    </m:sSub>
-                                    <m:r>
-                                      <a:rPr lang="en-US" sz="2800" b="0" i="1">
-                                        <a:solidFill>
-                                          <a:srgbClr val="7030A0"/>
-                                        </a:solidFill>
-                                        <a:latin typeface="Cambria Math" panose="02040503050406030204" pitchFamily="18" charset="0"/>
-                                      </a:rPr>
-                                      <m:t>𝑓</m:t>
-                                    </m:r>
-                                    <m:d>
-                                      <m:dPr>
-                                        <m:ctrlPr>
-                                          <a:rPr lang="en-US" sz="2800" b="0" i="1">
-                                            <a:solidFill>
-                                              <a:srgbClr val="7030A0"/>
-                                            </a:solidFill>
-                                            <a:latin typeface="Cambria Math" panose="02040503050406030204" pitchFamily="18" charset="0"/>
-                                          </a:rPr>
-                                        </m:ctrlPr>
-                                      </m:dPr>
-                                      <m:e>
-                                        <m:sSub>
-                                          <m:sSubPr>
-                                            <m:ctrlPr>
-                                              <a:rPr lang="en-US" sz="2800" b="0" i="1">
-                                                <a:solidFill>
-                                                  <a:srgbClr val="7030A0"/>
-                                                </a:solidFill>
-                                                <a:latin typeface="Cambria Math" panose="02040503050406030204" pitchFamily="18" charset="0"/>
-                                              </a:rPr>
-                                            </m:ctrlPr>
-                                          </m:sSubPr>
-                                          <m:e>
-                                            <m:r>
-                                              <a:rPr lang="en-US" sz="2800" b="0" i="1">
-                                                <a:solidFill>
-                                                  <a:srgbClr val="7030A0"/>
-                                                </a:solidFill>
-                                                <a:latin typeface="Cambria Math" panose="02040503050406030204" pitchFamily="18" charset="0"/>
-                                              </a:rPr>
-                                              <m:t>𝑧</m:t>
-                                            </m:r>
-                                          </m:e>
-                                          <m:sub>
-                                            <m:r>
-                                              <a:rPr lang="en-US" sz="2800" b="0" i="1" smtClean="0">
-                                                <a:solidFill>
-                                                  <a:srgbClr val="7030A0"/>
-                                                </a:solidFill>
-                                                <a:latin typeface="Cambria Math" panose="02040503050406030204" pitchFamily="18" charset="0"/>
-                                              </a:rPr>
-                                              <m:t>1</m:t>
-                                            </m:r>
-                                          </m:sub>
-                                        </m:sSub>
-                                      </m:e>
-                                    </m:d>
-                                  </m:e>
-                                  <m:e>
-                                    <m:r>
-                                      <a:rPr lang="en-US" sz="2800" b="1" i="1" smtClean="0">
-                                        <a:solidFill>
-                                          <a:srgbClr val="7030A0"/>
-                                        </a:solidFill>
-                                        <a:latin typeface="Cambria Math" panose="02040503050406030204" pitchFamily="18" charset="0"/>
-                                      </a:rPr>
-                                      <m:t>…</m:t>
-                                    </m:r>
-                                  </m:e>
-                                  <m:e>
-                                    <m:sSub>
-                                      <m:sSubPr>
-                                        <m:ctrlPr>
-                                          <a:rPr lang="en-US" sz="2800" b="0" i="1" smtClean="0">
-                                            <a:solidFill>
-                                              <a:srgbClr val="7030A0"/>
-                                            </a:solidFill>
-                                            <a:latin typeface="Cambria Math" panose="02040503050406030204" pitchFamily="18" charset="0"/>
-                                          </a:rPr>
-                                        </m:ctrlPr>
-                                      </m:sSubPr>
-                                      <m:e>
-                                        <m:r>
-                                          <a:rPr lang="en-US" sz="2800" b="0" i="1" smtClean="0">
-                                            <a:solidFill>
-                                              <a:srgbClr val="7030A0"/>
-                                            </a:solidFill>
-                                            <a:latin typeface="Cambria Math" panose="02040503050406030204" pitchFamily="18" charset="0"/>
-                                          </a:rPr>
-                                          <m:t>𝑥</m:t>
-                                        </m:r>
-                                      </m:e>
-                                      <m:sub>
-                                        <m:r>
-                                          <a:rPr lang="en-US" sz="2800" b="0" i="1" smtClean="0">
-                                            <a:solidFill>
-                                              <a:srgbClr val="7030A0"/>
-                                            </a:solidFill>
-                                            <a:latin typeface="Cambria Math" panose="02040503050406030204" pitchFamily="18" charset="0"/>
-                                          </a:rPr>
-                                          <m:t>1</m:t>
-                                        </m:r>
-                                        <m:r>
-                                          <a:rPr lang="en-US" sz="2800" b="0" i="1" smtClean="0">
-                                            <a:solidFill>
-                                              <a:srgbClr val="7030A0"/>
-                                            </a:solidFill>
-                                            <a:latin typeface="Cambria Math" panose="02040503050406030204" pitchFamily="18" charset="0"/>
-                                          </a:rPr>
-                                          <m:t>𝐾</m:t>
-                                        </m:r>
-                                      </m:sub>
-                                    </m:sSub>
-                                    <m:r>
-                                      <a:rPr lang="en-US" sz="2800" b="0" i="1">
-                                        <a:solidFill>
-                                          <a:srgbClr val="7030A0"/>
-                                        </a:solidFill>
-                                        <a:latin typeface="Cambria Math" panose="02040503050406030204" pitchFamily="18" charset="0"/>
-                                      </a:rPr>
-                                      <m:t>𝑓</m:t>
-                                    </m:r>
-                                    <m:d>
-                                      <m:dPr>
-                                        <m:ctrlPr>
-                                          <a:rPr lang="en-US" sz="2800" b="0" i="1">
-                                            <a:solidFill>
-                                              <a:srgbClr val="7030A0"/>
-                                            </a:solidFill>
-                                            <a:latin typeface="Cambria Math" panose="02040503050406030204" pitchFamily="18" charset="0"/>
-                                          </a:rPr>
-                                        </m:ctrlPr>
-                                      </m:dPr>
-                                      <m:e>
-                                        <m:sSub>
-                                          <m:sSubPr>
-                                            <m:ctrlPr>
-                                              <a:rPr lang="en-US" sz="2800" b="0" i="1">
-                                                <a:solidFill>
-                                                  <a:srgbClr val="7030A0"/>
-                                                </a:solidFill>
-                                                <a:latin typeface="Cambria Math" panose="02040503050406030204" pitchFamily="18" charset="0"/>
-                                              </a:rPr>
-                                            </m:ctrlPr>
-                                          </m:sSubPr>
-                                          <m:e>
-                                            <m:r>
-                                              <a:rPr lang="en-US" sz="2800" b="0" i="1">
-                                                <a:solidFill>
-                                                  <a:srgbClr val="7030A0"/>
-                                                </a:solidFill>
-                                                <a:latin typeface="Cambria Math" panose="02040503050406030204" pitchFamily="18" charset="0"/>
-                                              </a:rPr>
-                                              <m:t>𝑧</m:t>
-                                            </m:r>
-                                          </m:e>
-                                          <m:sub>
-                                            <m:r>
-                                              <a:rPr lang="en-US" sz="2800" b="0" i="1">
-                                                <a:solidFill>
-                                                  <a:srgbClr val="7030A0"/>
-                                                </a:solidFill>
-                                                <a:latin typeface="Cambria Math" panose="02040503050406030204" pitchFamily="18" charset="0"/>
-                                              </a:rPr>
-                                              <m:t>1</m:t>
-                                            </m:r>
-                                          </m:sub>
-                                        </m:sSub>
-                                      </m:e>
-                                    </m:d>
-                                  </m:e>
-                                </m:mr>
-                                <m:mr>
-                                  <m:e>
-                                    <m:r>
-                                      <a:rPr lang="en-US" sz="2800" b="1" i="1" smtClean="0">
-                                        <a:solidFill>
-                                          <a:srgbClr val="7030A0"/>
-                                        </a:solidFill>
-                                        <a:latin typeface="Cambria Math" panose="02040503050406030204" pitchFamily="18" charset="0"/>
-                                      </a:rPr>
-                                      <m:t>…</m:t>
-                                    </m:r>
-                                  </m:e>
-                                  <m:e>
-                                    <m:r>
-                                      <a:rPr lang="en-US" sz="2800" b="1" i="1" smtClean="0">
-                                        <a:solidFill>
-                                          <a:srgbClr val="7030A0"/>
-                                        </a:solidFill>
-                                        <a:latin typeface="Cambria Math" panose="02040503050406030204" pitchFamily="18" charset="0"/>
-                                      </a:rPr>
-                                      <m:t>…</m:t>
-                                    </m:r>
-                                  </m:e>
-                                  <m:e>
-                                    <m:r>
-                                      <a:rPr lang="en-US" sz="2800" b="0" i="1" smtClean="0">
-                                        <a:solidFill>
-                                          <a:srgbClr val="7030A0"/>
-                                        </a:solidFill>
-                                        <a:latin typeface="Cambria Math" panose="02040503050406030204" pitchFamily="18" charset="0"/>
-                                      </a:rPr>
-                                      <m:t>…</m:t>
-                                    </m:r>
-                                  </m:e>
-                                </m:mr>
-                                <m:mr>
-                                  <m:e>
-                                    <m:sSub>
-                                      <m:sSubPr>
-                                        <m:ctrlPr>
-                                          <a:rPr lang="en-US" sz="2800" b="0" i="1" smtClean="0">
-                                            <a:solidFill>
-                                              <a:srgbClr val="7030A0"/>
-                                            </a:solidFill>
-                                            <a:latin typeface="Cambria Math" panose="02040503050406030204" pitchFamily="18" charset="0"/>
-                                          </a:rPr>
-                                        </m:ctrlPr>
-                                      </m:sSubPr>
-                                      <m:e>
-                                        <m:r>
-                                          <a:rPr lang="en-US" sz="2800" b="0" i="1" smtClean="0">
-                                            <a:solidFill>
-                                              <a:srgbClr val="7030A0"/>
-                                            </a:solidFill>
-                                            <a:latin typeface="Cambria Math" panose="02040503050406030204" pitchFamily="18" charset="0"/>
-                                          </a:rPr>
-                                          <m:t>𝑥</m:t>
-                                        </m:r>
-                                      </m:e>
-                                      <m:sub>
-                                        <m:r>
-                                          <a:rPr lang="en-US" sz="2800" b="0" i="1" smtClean="0">
-                                            <a:solidFill>
-                                              <a:srgbClr val="7030A0"/>
-                                            </a:solidFill>
-                                            <a:latin typeface="Cambria Math" panose="02040503050406030204" pitchFamily="18" charset="0"/>
-                                          </a:rPr>
-                                          <m:t>𝑁</m:t>
-                                        </m:r>
-                                        <m:r>
-                                          <a:rPr lang="en-US" sz="2800" b="0" i="1" smtClean="0">
-                                            <a:solidFill>
-                                              <a:srgbClr val="7030A0"/>
-                                            </a:solidFill>
-                                            <a:latin typeface="Cambria Math" panose="02040503050406030204" pitchFamily="18" charset="0"/>
-                                          </a:rPr>
-                                          <m:t>1</m:t>
-                                        </m:r>
-                                      </m:sub>
-                                    </m:sSub>
-                                    <m:r>
-                                      <a:rPr lang="en-US" sz="2800" b="0" i="1">
-                                        <a:solidFill>
-                                          <a:srgbClr val="7030A0"/>
-                                        </a:solidFill>
-                                        <a:latin typeface="Cambria Math" panose="02040503050406030204" pitchFamily="18" charset="0"/>
-                                      </a:rPr>
-                                      <m:t>𝑓</m:t>
-                                    </m:r>
-                                    <m:d>
-                                      <m:dPr>
-                                        <m:ctrlPr>
-                                          <a:rPr lang="en-US" sz="2800" b="0" i="1">
-                                            <a:solidFill>
-                                              <a:srgbClr val="7030A0"/>
-                                            </a:solidFill>
-                                            <a:latin typeface="Cambria Math" panose="02040503050406030204" pitchFamily="18" charset="0"/>
-                                          </a:rPr>
-                                        </m:ctrlPr>
-                                      </m:dPr>
-                                      <m:e>
-                                        <m:sSub>
-                                          <m:sSubPr>
-                                            <m:ctrlPr>
-                                              <a:rPr lang="en-US" sz="2800" b="0" i="1">
-                                                <a:solidFill>
-                                                  <a:srgbClr val="7030A0"/>
-                                                </a:solidFill>
-                                                <a:latin typeface="Cambria Math" panose="02040503050406030204" pitchFamily="18" charset="0"/>
-                                              </a:rPr>
-                                            </m:ctrlPr>
-                                          </m:sSubPr>
-                                          <m:e>
-                                            <m:r>
-                                              <a:rPr lang="en-US" sz="2800" b="0" i="1">
-                                                <a:solidFill>
-                                                  <a:srgbClr val="7030A0"/>
-                                                </a:solidFill>
-                                                <a:latin typeface="Cambria Math" panose="02040503050406030204" pitchFamily="18" charset="0"/>
-                                              </a:rPr>
-                                              <m:t>𝑧</m:t>
-                                            </m:r>
-                                          </m:e>
-                                          <m:sub>
-                                            <m:r>
-                                              <a:rPr lang="en-US" sz="2800" b="0" i="1">
-                                                <a:solidFill>
-                                                  <a:srgbClr val="7030A0"/>
-                                                </a:solidFill>
-                                                <a:latin typeface="Cambria Math" panose="02040503050406030204" pitchFamily="18" charset="0"/>
-                                              </a:rPr>
-                                              <m:t>𝑁</m:t>
-                                            </m:r>
-                                          </m:sub>
-                                        </m:sSub>
-                                      </m:e>
-                                    </m:d>
-                                  </m:e>
-                                  <m:e>
-                                    <m:r>
-                                      <a:rPr lang="en-US" sz="2800" b="1" i="1" smtClean="0">
-                                        <a:solidFill>
-                                          <a:srgbClr val="7030A0"/>
-                                        </a:solidFill>
-                                        <a:latin typeface="Cambria Math" panose="02040503050406030204" pitchFamily="18" charset="0"/>
-                                      </a:rPr>
-                                      <m:t>…</m:t>
-                                    </m:r>
-                                  </m:e>
-                                  <m:e>
-                                    <m:sSub>
-                                      <m:sSubPr>
-                                        <m:ctrlPr>
-                                          <a:rPr lang="en-US" sz="2800" b="0" i="1" smtClean="0">
-                                            <a:solidFill>
-                                              <a:srgbClr val="7030A0"/>
-                                            </a:solidFill>
-                                            <a:latin typeface="Cambria Math" panose="02040503050406030204" pitchFamily="18" charset="0"/>
-                                          </a:rPr>
-                                        </m:ctrlPr>
-                                      </m:sSubPr>
-                                      <m:e>
-                                        <m:r>
-                                          <a:rPr lang="en-US" sz="2800" b="0" i="1" smtClean="0">
-                                            <a:solidFill>
-                                              <a:srgbClr val="7030A0"/>
-                                            </a:solidFill>
-                                            <a:latin typeface="Cambria Math" panose="02040503050406030204" pitchFamily="18" charset="0"/>
-                                          </a:rPr>
-                                          <m:t>𝑥</m:t>
-                                        </m:r>
-                                      </m:e>
-                                      <m:sub>
-                                        <m:r>
-                                          <a:rPr lang="en-US" sz="2800" b="0" i="1" smtClean="0">
-                                            <a:solidFill>
-                                              <a:srgbClr val="7030A0"/>
-                                            </a:solidFill>
-                                            <a:latin typeface="Cambria Math" panose="02040503050406030204" pitchFamily="18" charset="0"/>
-                                          </a:rPr>
-                                          <m:t>𝑁𝐾</m:t>
-                                        </m:r>
-                                      </m:sub>
-                                    </m:sSub>
-                                    <m:r>
-                                      <a:rPr lang="en-US" sz="2800" b="0" i="1">
-                                        <a:solidFill>
-                                          <a:srgbClr val="7030A0"/>
-                                        </a:solidFill>
-                                        <a:latin typeface="Cambria Math" panose="02040503050406030204" pitchFamily="18" charset="0"/>
-                                      </a:rPr>
-                                      <m:t>𝑓</m:t>
-                                    </m:r>
-                                    <m:d>
-                                      <m:dPr>
-                                        <m:ctrlPr>
-                                          <a:rPr lang="en-US" sz="2800" b="0" i="1">
-                                            <a:solidFill>
-                                              <a:srgbClr val="7030A0"/>
-                                            </a:solidFill>
-                                            <a:latin typeface="Cambria Math" panose="02040503050406030204" pitchFamily="18" charset="0"/>
-                                          </a:rPr>
-                                        </m:ctrlPr>
-                                      </m:dPr>
-                                      <m:e>
-                                        <m:sSub>
-                                          <m:sSubPr>
-                                            <m:ctrlPr>
-                                              <a:rPr lang="en-US" sz="2800" b="0" i="1">
-                                                <a:solidFill>
-                                                  <a:srgbClr val="7030A0"/>
-                                                </a:solidFill>
-                                                <a:latin typeface="Cambria Math" panose="02040503050406030204" pitchFamily="18" charset="0"/>
-                                              </a:rPr>
-                                            </m:ctrlPr>
-                                          </m:sSubPr>
-                                          <m:e>
-                                            <m:r>
-                                              <a:rPr lang="en-US" sz="2800" b="0" i="1">
-                                                <a:solidFill>
-                                                  <a:srgbClr val="7030A0"/>
-                                                </a:solidFill>
-                                                <a:latin typeface="Cambria Math" panose="02040503050406030204" pitchFamily="18" charset="0"/>
-                                              </a:rPr>
-                                              <m:t>𝑧</m:t>
-                                            </m:r>
-                                          </m:e>
-                                          <m:sub>
-                                            <m:r>
-                                              <a:rPr lang="en-US" sz="2800" b="0" i="1" smtClean="0">
-                                                <a:solidFill>
-                                                  <a:srgbClr val="7030A0"/>
-                                                </a:solidFill>
-                                                <a:latin typeface="Cambria Math" panose="02040503050406030204" pitchFamily="18" charset="0"/>
-                                              </a:rPr>
-                                              <m:t>𝑁</m:t>
-                                            </m:r>
-                                          </m:sub>
-                                        </m:sSub>
-                                      </m:e>
-                                    </m:d>
-                                  </m:e>
-                                </m:mr>
-                              </m:m>
-                            </m:e>
-                          </m:d>
-                        </m:e>
-                        <m:sup>
-                          <m:r>
-                            <a:rPr lang="en-US" sz="2800" b="0" i="1" smtClean="0">
-                              <a:solidFill>
-                                <a:srgbClr val="7030A0"/>
-                              </a:solidFill>
-                              <a:latin typeface="Cambria Math" panose="02040503050406030204" pitchFamily="18" charset="0"/>
-                            </a:rPr>
-                            <m:t>𝑇</m:t>
-                          </m:r>
-                        </m:sup>
-                      </m:sSup>
-                      <m:d>
-                        <m:dPr>
-                          <m:begChr m:val="["/>
-                          <m:endChr m:val="]"/>
-                          <m:ctrlPr>
-                            <a:rPr lang="en-US" sz="2800" b="1" i="1" smtClean="0">
-                              <a:solidFill>
-                                <a:srgbClr val="7030A0"/>
-                              </a:solidFill>
-                              <a:latin typeface="Cambria Math" panose="02040503050406030204" pitchFamily="18" charset="0"/>
-                            </a:rPr>
-                          </m:ctrlPr>
-                        </m:dPr>
-                        <m:e>
-                          <m:m>
-                            <m:mPr>
-                              <m:mcs>
-                                <m:mc>
-                                  <m:mcPr>
-                                    <m:count m:val="1"/>
-                                    <m:mcJc m:val="center"/>
-                                  </m:mcPr>
-                                </m:mc>
-                              </m:mcs>
-                              <m:ctrlPr>
-                                <a:rPr lang="en-US" sz="2800" b="1" i="1" smtClean="0">
-                                  <a:solidFill>
-                                    <a:srgbClr val="7030A0"/>
-                                  </a:solidFill>
-                                  <a:latin typeface="Cambria Math" panose="02040503050406030204" pitchFamily="18" charset="0"/>
-                                </a:rPr>
-                              </m:ctrlPr>
-                            </m:mPr>
-                            <m:mr>
-                              <m:e>
-                                <m:r>
-                                  <a:rPr lang="en-US" sz="2800" b="0" i="1">
-                                    <a:solidFill>
-                                      <a:srgbClr val="7030A0"/>
-                                    </a:solidFill>
-                                    <a:latin typeface="Cambria Math" panose="02040503050406030204" pitchFamily="18" charset="0"/>
-                                  </a:rPr>
-                                  <m:t>𝑓</m:t>
-                                </m:r>
-                                <m:d>
-                                  <m:dPr>
-                                    <m:ctrlPr>
-                                      <a:rPr lang="en-US" sz="2800" b="0" i="1">
-                                        <a:solidFill>
-                                          <a:srgbClr val="7030A0"/>
-                                        </a:solidFill>
-                                        <a:latin typeface="Cambria Math" panose="02040503050406030204" pitchFamily="18" charset="0"/>
-                                      </a:rPr>
-                                    </m:ctrlPr>
-                                  </m:dPr>
-                                  <m:e>
-                                    <m:sSub>
-                                      <m:sSubPr>
-                                        <m:ctrlPr>
-                                          <a:rPr lang="en-US" sz="2800" b="0" i="1">
-                                            <a:solidFill>
-                                              <a:srgbClr val="7030A0"/>
-                                            </a:solidFill>
-                                            <a:latin typeface="Cambria Math" panose="02040503050406030204" pitchFamily="18" charset="0"/>
-                                          </a:rPr>
-                                        </m:ctrlPr>
-                                      </m:sSubPr>
-                                      <m:e>
-                                        <m:r>
-                                          <a:rPr lang="en-US" sz="2800" b="0" i="1">
-                                            <a:solidFill>
-                                              <a:srgbClr val="7030A0"/>
-                                            </a:solidFill>
-                                            <a:latin typeface="Cambria Math" panose="02040503050406030204" pitchFamily="18" charset="0"/>
-                                          </a:rPr>
-                                          <m:t>𝑧</m:t>
-                                        </m:r>
-                                      </m:e>
-                                      <m:sub>
-                                        <m:r>
-                                          <a:rPr lang="en-US" sz="2800" b="0" i="1" smtClean="0">
-                                            <a:solidFill>
-                                              <a:srgbClr val="7030A0"/>
-                                            </a:solidFill>
-                                            <a:latin typeface="Cambria Math" panose="02040503050406030204" pitchFamily="18" charset="0"/>
-                                          </a:rPr>
-                                          <m:t>1</m:t>
-                                        </m:r>
-                                      </m:sub>
-                                    </m:sSub>
-                                  </m:e>
-                                </m:d>
-                                <m:r>
-                                  <a:rPr lang="en-US" sz="2800" b="0" i="1">
-                                    <a:solidFill>
-                                      <a:srgbClr val="7030A0"/>
-                                    </a:solidFill>
-                                    <a:latin typeface="Cambria Math" panose="02040503050406030204" pitchFamily="18" charset="0"/>
-                                  </a:rPr>
-                                  <m:t>−</m:t>
-                                </m:r>
-                                <m:sSub>
-                                  <m:sSubPr>
-                                    <m:ctrlPr>
-                                      <a:rPr lang="en-US" sz="2800" b="0" i="1">
-                                        <a:solidFill>
-                                          <a:srgbClr val="7030A0"/>
-                                        </a:solidFill>
-                                        <a:latin typeface="Cambria Math" panose="02040503050406030204" pitchFamily="18" charset="0"/>
-                                      </a:rPr>
-                                    </m:ctrlPr>
-                                  </m:sSubPr>
-                                  <m:e>
-                                    <m:r>
-                                      <a:rPr lang="en-US" sz="2800" b="0" i="1">
-                                        <a:solidFill>
-                                          <a:srgbClr val="7030A0"/>
-                                        </a:solidFill>
-                                        <a:latin typeface="Cambria Math" panose="02040503050406030204" pitchFamily="18" charset="0"/>
-                                      </a:rPr>
-                                      <m:t>𝑦</m:t>
-                                    </m:r>
-                                  </m:e>
-                                  <m:sub>
-                                    <m:r>
-                                      <a:rPr lang="en-US" sz="2800" b="0" i="1">
-                                        <a:solidFill>
-                                          <a:srgbClr val="7030A0"/>
-                                        </a:solidFill>
-                                        <a:latin typeface="Cambria Math" panose="02040503050406030204" pitchFamily="18" charset="0"/>
-                                      </a:rPr>
-                                      <m:t>𝑖</m:t>
-                                    </m:r>
-                                  </m:sub>
-                                </m:sSub>
-                              </m:e>
-                            </m:mr>
-                            <m:mr>
-                              <m:e>
-                                <m:r>
-                                  <a:rPr lang="en-US" sz="2800" b="0" i="1" smtClean="0">
-                                    <a:solidFill>
-                                      <a:srgbClr val="7030A0"/>
-                                    </a:solidFill>
-                                    <a:latin typeface="Cambria Math" panose="02040503050406030204" pitchFamily="18" charset="0"/>
-                                  </a:rPr>
-                                  <m:t>…</m:t>
-                                </m:r>
-                              </m:e>
-                            </m:mr>
-                            <m:mr>
-                              <m:e>
-                                <m:r>
-                                  <a:rPr lang="en-US" sz="2800" b="0" i="1">
-                                    <a:solidFill>
-                                      <a:srgbClr val="7030A0"/>
-                                    </a:solidFill>
-                                    <a:latin typeface="Cambria Math" panose="02040503050406030204" pitchFamily="18" charset="0"/>
-                                  </a:rPr>
-                                  <m:t>𝑓</m:t>
-                                </m:r>
-                                <m:d>
-                                  <m:dPr>
-                                    <m:ctrlPr>
-                                      <a:rPr lang="en-US" sz="2800" b="0" i="1">
-                                        <a:solidFill>
-                                          <a:srgbClr val="7030A0"/>
-                                        </a:solidFill>
-                                        <a:latin typeface="Cambria Math" panose="02040503050406030204" pitchFamily="18" charset="0"/>
-                                      </a:rPr>
-                                    </m:ctrlPr>
-                                  </m:dPr>
-                                  <m:e>
-                                    <m:sSub>
-                                      <m:sSubPr>
-                                        <m:ctrlPr>
-                                          <a:rPr lang="en-US" sz="2800" b="0" i="1">
-                                            <a:solidFill>
-                                              <a:srgbClr val="7030A0"/>
-                                            </a:solidFill>
-                                            <a:latin typeface="Cambria Math" panose="02040503050406030204" pitchFamily="18" charset="0"/>
-                                          </a:rPr>
-                                        </m:ctrlPr>
-                                      </m:sSubPr>
-                                      <m:e>
-                                        <m:r>
-                                          <a:rPr lang="en-US" sz="2800" b="0" i="1">
-                                            <a:solidFill>
-                                              <a:srgbClr val="7030A0"/>
-                                            </a:solidFill>
-                                            <a:latin typeface="Cambria Math" panose="02040503050406030204" pitchFamily="18" charset="0"/>
-                                          </a:rPr>
-                                          <m:t>𝑧</m:t>
-                                        </m:r>
-                                      </m:e>
-                                      <m:sub>
-                                        <m:r>
-                                          <a:rPr lang="en-US" sz="2800" b="0" i="1" smtClean="0">
-                                            <a:solidFill>
-                                              <a:srgbClr val="7030A0"/>
-                                            </a:solidFill>
-                                            <a:latin typeface="Cambria Math" panose="02040503050406030204" pitchFamily="18" charset="0"/>
-                                          </a:rPr>
-                                          <m:t>𝑁</m:t>
-                                        </m:r>
-                                      </m:sub>
-                                    </m:sSub>
-                                  </m:e>
-                                </m:d>
-                                <m:r>
-                                  <a:rPr lang="en-US" sz="2800" b="0" i="1">
-                                    <a:solidFill>
-                                      <a:srgbClr val="7030A0"/>
-                                    </a:solidFill>
-                                    <a:latin typeface="Cambria Math" panose="02040503050406030204" pitchFamily="18" charset="0"/>
-                                  </a:rPr>
-                                  <m:t>−</m:t>
-                                </m:r>
-                                <m:sSub>
-                                  <m:sSubPr>
-                                    <m:ctrlPr>
-                                      <a:rPr lang="en-US" sz="2800" b="0" i="1">
-                                        <a:solidFill>
-                                          <a:srgbClr val="7030A0"/>
-                                        </a:solidFill>
-                                        <a:latin typeface="Cambria Math" panose="02040503050406030204" pitchFamily="18" charset="0"/>
-                                      </a:rPr>
-                                    </m:ctrlPr>
-                                  </m:sSubPr>
-                                  <m:e>
-                                    <m:r>
-                                      <a:rPr lang="en-US" sz="2800" b="0" i="1">
-                                        <a:solidFill>
-                                          <a:srgbClr val="7030A0"/>
-                                        </a:solidFill>
-                                        <a:latin typeface="Cambria Math" panose="02040503050406030204" pitchFamily="18" charset="0"/>
-                                      </a:rPr>
-                                      <m:t>𝑦</m:t>
-                                    </m:r>
-                                  </m:e>
-                                  <m:sub>
-                                    <m:r>
-                                      <a:rPr lang="en-US" sz="2800" b="0" i="1">
-                                        <a:solidFill>
-                                          <a:srgbClr val="7030A0"/>
-                                        </a:solidFill>
-                                        <a:latin typeface="Cambria Math" panose="02040503050406030204" pitchFamily="18" charset="0"/>
-                                      </a:rPr>
-                                      <m:t>𝑖</m:t>
-                                    </m:r>
-                                  </m:sub>
-                                </m:sSub>
-                              </m:e>
-                            </m:mr>
-                          </m:m>
-                        </m:e>
-                      </m:d>
-                    </m:oMath>
-                  </m:oMathPara>
-                </a14:m>
-                <a:endParaRPr lang="en-KW" sz="2800" dirty="0"/>
-              </a:p>
-              <a:p>
-                <a:pPr marL="0" indent="0">
-                  <a:buNone/>
-                </a:pPr>
-                <a:endParaRPr lang="en-KW" dirty="0"/>
-              </a:p>
-              <a:p>
-                <a:pPr marL="0" indent="0">
-                  <a:buNone/>
-                </a:pPr>
-                <a:r>
-                  <a:rPr lang="en-KW" sz="2800" dirty="0"/>
-                  <a:t>The chain rule makes it straightforward to compose complex computational units</a:t>
-                </a:r>
-              </a:p>
-            </p:txBody>
-          </p:sp>
-        </mc:Choice>
-        <mc:Fallback>
-          <p:sp>
-            <p:nvSpPr>
-              <p:cNvPr id="5" name="Content Placeholder 4">
-                <a:extLst>
-                  <a:ext uri="{FF2B5EF4-FFF2-40B4-BE49-F238E27FC236}">
-                    <a16:creationId xmlns:a16="http://schemas.microsoft.com/office/drawing/2014/main" id="{B75581BD-AE10-AD73-4773-FA8A5C7ED9DB}"/>
-                  </a:ext>
-                </a:extLst>
-              </p:cNvPr>
-              <p:cNvSpPr txBox="1">
-                <a:spLocks noGrp="1" noRot="1" noChangeAspect="1" noMove="1" noResize="1" noEditPoints="1" noAdjustHandles="1" noChangeArrowheads="1" noChangeShapeType="1" noTextEdit="1"/>
-              </p:cNvSpPr>
-              <p:nvPr>
-                <p:ph idx="1"/>
-              </p:nvPr>
-            </p:nvSpPr>
-            <p:spPr>
-              <a:xfrm>
-                <a:off x="838200" y="1825625"/>
-                <a:ext cx="10515600" cy="3612784"/>
-              </a:xfrm>
-              <a:prstGeom prst="rect">
-                <a:avLst/>
-              </a:prstGeom>
-              <a:blipFill>
-                <a:blip r:embed="rId2"/>
-                <a:stretch>
-                  <a:fillRect l="-1206" t="-2797" b="-3846"/>
-                </a:stretch>
-              </a:blipFill>
-            </p:spPr>
-            <p:txBody>
-              <a:bodyPr/>
-              <a:lstStyle/>
-              <a:p>
-                <a:r>
-                  <a:rPr lang="en-KW">
-                    <a:noFill/>
-                  </a:rPr>
-                  <a:t> </a:t>
-                </a:r>
-              </a:p>
-            </p:txBody>
-          </p:sp>
-        </mc:Fallback>
-      </mc:AlternateContent>
+          <a:p>
+            <a:pPr marL="0" indent="0">
+              <a:buNone/>
+            </a:pPr>
+            <a:endParaRPr lang="en-KW" dirty="0"/>
+          </a:p>
+        </p:txBody>
+      </p:sp>
+      <p:pic>
+        <p:nvPicPr>
+          <p:cNvPr id="4" name="Picture 3">
+            <a:extLst>
+              <a:ext uri="{FF2B5EF4-FFF2-40B4-BE49-F238E27FC236}">
+                <a16:creationId xmlns:a16="http://schemas.microsoft.com/office/drawing/2014/main" id="{4ADD2665-6A15-8E72-0BA8-E181ADDC6406}"/>
+              </a:ext>
+            </a:extLst>
+          </p:cNvPr>
+          <p:cNvPicPr>
+            <a:picLocks noChangeAspect="1"/>
+          </p:cNvPicPr>
+          <p:nvPr/>
+        </p:nvPicPr>
+        <p:blipFill>
+          <a:blip r:embed="rId2"/>
+          <a:stretch>
+            <a:fillRect/>
+          </a:stretch>
+        </p:blipFill>
+        <p:spPr>
+          <a:xfrm>
+            <a:off x="6369269" y="2643051"/>
+            <a:ext cx="4766441" cy="2725117"/>
+          </a:xfrm>
+          <a:prstGeom prst="rect">
+            <a:avLst/>
+          </a:prstGeom>
+        </p:spPr>
+      </p:pic>
     </p:spTree>
     <p:extLst>
       <p:ext uri="{BB962C8B-B14F-4D97-AF65-F5344CB8AC3E}">
-        <p14:creationId xmlns:p14="http://schemas.microsoft.com/office/powerpoint/2010/main" val="391694674"/>
+        <p14:creationId xmlns:p14="http://schemas.microsoft.com/office/powerpoint/2010/main" val="539345841"/>
       </p:ext>
     </p:extLst>
   </p:cSld>
@@ -6529,147 +4747,6 @@
           <p:cNvPr id="2" name="Title 1">
             <a:extLst>
               <a:ext uri="{FF2B5EF4-FFF2-40B4-BE49-F238E27FC236}">
-                <a16:creationId xmlns:a16="http://schemas.microsoft.com/office/drawing/2014/main" id="{513647AB-3DFA-9AF3-E2F2-37B5B39173F7}"/>
-              </a:ext>
-            </a:extLst>
-          </p:cNvPr>
-          <p:cNvSpPr>
-            <a:spLocks noGrp="1"/>
-          </p:cNvSpPr>
-          <p:nvPr>
-            <p:ph type="title"/>
-          </p:nvPr>
-        </p:nvSpPr>
-        <p:spPr/>
-        <p:txBody>
-          <a:bodyPr/>
-          <a:lstStyle/>
-          <a:p>
-            <a:r>
-              <a:rPr lang="en-KW" dirty="0"/>
-              <a:t>Cautionary Note</a:t>
-            </a:r>
-          </a:p>
-        </p:txBody>
-      </p:sp>
-      <p:sp>
-        <p:nvSpPr>
-          <p:cNvPr id="3" name="Content Placeholder 2">
-            <a:extLst>
-              <a:ext uri="{FF2B5EF4-FFF2-40B4-BE49-F238E27FC236}">
-                <a16:creationId xmlns:a16="http://schemas.microsoft.com/office/drawing/2014/main" id="{9923D214-29D9-45B4-8DFC-D64924DA09B3}"/>
-              </a:ext>
-            </a:extLst>
-          </p:cNvPr>
-          <p:cNvSpPr>
-            <a:spLocks noGrp="1"/>
-          </p:cNvSpPr>
-          <p:nvPr>
-            <p:ph idx="1"/>
-          </p:nvPr>
-        </p:nvSpPr>
-        <p:spPr/>
-        <p:txBody>
-          <a:bodyPr/>
-          <a:lstStyle/>
-          <a:p>
-            <a:pPr marL="0" indent="0">
-              <a:buNone/>
-            </a:pPr>
-            <a:r>
-              <a:rPr lang="en-KW" dirty="0">
-                <a:solidFill>
-                  <a:srgbClr val="FF0000"/>
-                </a:solidFill>
-              </a:rPr>
-              <a:t>In our exponentiated multivariate model, training will diverge </a:t>
-            </a:r>
-            <a:r>
-              <a:rPr lang="en-US" dirty="0">
-                <a:solidFill>
-                  <a:srgbClr val="FF0000"/>
-                </a:solidFill>
-              </a:rPr>
-              <a:t>if we just z-score the inputs</a:t>
-            </a:r>
-          </a:p>
-          <a:p>
-            <a:pPr marL="0" indent="0">
-              <a:buNone/>
-            </a:pPr>
-            <a:endParaRPr lang="en-US" dirty="0">
-              <a:solidFill>
-                <a:srgbClr val="FF0000"/>
-              </a:solidFill>
-            </a:endParaRPr>
-          </a:p>
-          <a:p>
-            <a:r>
-              <a:rPr lang="en-US" dirty="0"/>
-              <a:t>This is because the gradient involves an exponential function which quickly blows up</a:t>
-            </a:r>
-          </a:p>
-          <a:p>
-            <a:r>
-              <a:rPr lang="en-US" dirty="0"/>
-              <a:t>Small learning rates won’t fix it as they don’t converge quickly</a:t>
-            </a:r>
-          </a:p>
-          <a:p>
-            <a:r>
-              <a:rPr lang="en-US" dirty="0">
-                <a:solidFill>
-                  <a:srgbClr val="00B0F0"/>
-                </a:solidFill>
-              </a:rPr>
-              <a:t>Solution: </a:t>
-            </a:r>
-            <a:r>
-              <a:rPr lang="en-US" dirty="0"/>
-              <a:t>scale the inputs to have 0.1 standard deviation</a:t>
-            </a:r>
-            <a:r>
-              <a:rPr lang="en-KW" dirty="0"/>
-              <a:t> </a:t>
-            </a:r>
-          </a:p>
-        </p:txBody>
-      </p:sp>
-    </p:spTree>
-    <p:extLst>
-      <p:ext uri="{BB962C8B-B14F-4D97-AF65-F5344CB8AC3E}">
-        <p14:creationId xmlns:p14="http://schemas.microsoft.com/office/powerpoint/2010/main" val="3801740244"/>
-      </p:ext>
-    </p:extLst>
-  </p:cSld>
-  <p:clrMapOvr>
-    <a:masterClrMapping/>
-  </p:clrMapOvr>
-</p:sld>
-</file>
-
-<file path=ppt/slides/slide6.xml><?xml version="1.0" encoding="utf-8"?>
-<p:sld xmlns:a="http://schemas.openxmlformats.org/drawingml/2006/main" xmlns:r="http://schemas.openxmlformats.org/officeDocument/2006/relationships" xmlns:p="http://schemas.openxmlformats.org/presentationml/2006/main">
-  <p:cSld>
-    <p:spTree>
-      <p:nvGrpSpPr>
-        <p:cNvPr id="1" name=""/>
-        <p:cNvGrpSpPr/>
-        <p:nvPr/>
-      </p:nvGrpSpPr>
-      <p:grpSpPr>
-        <a:xfrm>
-          <a:off x="0" y="0"/>
-          <a:ext cx="0" cy="0"/>
-          <a:chOff x="0" y="0"/>
-          <a:chExt cx="0" cy="0"/>
-        </a:xfrm>
-      </p:grpSpPr>
-      <p:sp>
-        <p:nvSpPr>
-          <p:cNvPr id="2" name="Title 1">
-            <a:extLst>
-              <a:ext uri="{FF2B5EF4-FFF2-40B4-BE49-F238E27FC236}">
                 <a16:creationId xmlns:a16="http://schemas.microsoft.com/office/drawing/2014/main" id="{6ED6C579-3AE1-385E-B13A-F32CA337EF0B}"/>
               </a:ext>
             </a:extLst>
@@ -6716,25 +4793,20 @@
           <a:p>
             <a:r>
               <a:rPr lang="en-KW" dirty="0"/>
-              <a:t>Implement gradient descent for non-linear model</a:t>
+              <a:t>Demonstrate how K-fold validation works</a:t>
             </a:r>
           </a:p>
           <a:p>
             <a:r>
               <a:rPr lang="en-KW" dirty="0"/>
-              <a:t>Optimize model with gradient descent</a:t>
+              <a:t>Modify our code to train on some dataset and evaluate some other dataset</a:t>
             </a:r>
           </a:p>
           <a:p>
             <a:r>
               <a:rPr lang="en-KW" dirty="0"/>
-              <a:t>Plot </a:t>
-            </a:r>
-            <a:r>
-              <a:rPr lang="en-KW"/>
-              <a:t>the model fit</a:t>
-            </a:r>
-            <a:endParaRPr lang="en-KW" dirty="0"/>
+              <a:t>Apply CV to obtain the average MSE and standard error</a:t>
+            </a:r>
           </a:p>
         </p:txBody>
       </p:sp>
